--- a/Layout/Description/ReservationLayout.pptx
+++ b/Layout/Description/ReservationLayout.pptx
@@ -7,8 +7,9 @@
   <p:sldIdLst>
     <p:sldId id="267" r:id="rId2"/>
     <p:sldId id="270" r:id="rId3"/>
-    <p:sldId id="265" r:id="rId4"/>
-    <p:sldId id="266" r:id="rId5"/>
+    <p:sldId id="283" r:id="rId4"/>
+    <p:sldId id="265" r:id="rId5"/>
+    <p:sldId id="266" r:id="rId6"/>
   </p:sldIdLst>
   <p:sldSz cx="12192000" cy="6858000"/>
   <p:notesSz cx="6661150" cy="9866313"/>
@@ -257,7 +258,7 @@
           <a:p>
             <a:fld id="{DDCE6D58-9B57-4731-A47B-3CD41B48F0A9}" type="datetimeFigureOut">
               <a:rPr lang="de-CH" smtClean="0"/>
-              <a:t>21.10.2024</a:t>
+              <a:t>12.11.2024</a:t>
             </a:fld>
             <a:endParaRPr lang="de-CH"/>
           </a:p>
@@ -427,7 +428,7 @@
           <a:p>
             <a:fld id="{DDCE6D58-9B57-4731-A47B-3CD41B48F0A9}" type="datetimeFigureOut">
               <a:rPr lang="de-CH" smtClean="0"/>
-              <a:t>21.10.2024</a:t>
+              <a:t>12.11.2024</a:t>
             </a:fld>
             <a:endParaRPr lang="de-CH"/>
           </a:p>
@@ -607,7 +608,7 @@
           <a:p>
             <a:fld id="{DDCE6D58-9B57-4731-A47B-3CD41B48F0A9}" type="datetimeFigureOut">
               <a:rPr lang="de-CH" smtClean="0"/>
-              <a:t>21.10.2024</a:t>
+              <a:t>12.11.2024</a:t>
             </a:fld>
             <a:endParaRPr lang="de-CH"/>
           </a:p>
@@ -777,7 +778,7 @@
           <a:p>
             <a:fld id="{DDCE6D58-9B57-4731-A47B-3CD41B48F0A9}" type="datetimeFigureOut">
               <a:rPr lang="de-CH" smtClean="0"/>
-              <a:t>21.10.2024</a:t>
+              <a:t>12.11.2024</a:t>
             </a:fld>
             <a:endParaRPr lang="de-CH"/>
           </a:p>
@@ -1023,7 +1024,7 @@
           <a:p>
             <a:fld id="{DDCE6D58-9B57-4731-A47B-3CD41B48F0A9}" type="datetimeFigureOut">
               <a:rPr lang="de-CH" smtClean="0"/>
-              <a:t>21.10.2024</a:t>
+              <a:t>12.11.2024</a:t>
             </a:fld>
             <a:endParaRPr lang="de-CH"/>
           </a:p>
@@ -1255,7 +1256,7 @@
           <a:p>
             <a:fld id="{DDCE6D58-9B57-4731-A47B-3CD41B48F0A9}" type="datetimeFigureOut">
               <a:rPr lang="de-CH" smtClean="0"/>
-              <a:t>21.10.2024</a:t>
+              <a:t>12.11.2024</a:t>
             </a:fld>
             <a:endParaRPr lang="de-CH"/>
           </a:p>
@@ -1622,7 +1623,7 @@
           <a:p>
             <a:fld id="{DDCE6D58-9B57-4731-A47B-3CD41B48F0A9}" type="datetimeFigureOut">
               <a:rPr lang="de-CH" smtClean="0"/>
-              <a:t>21.10.2024</a:t>
+              <a:t>12.11.2024</a:t>
             </a:fld>
             <a:endParaRPr lang="de-CH"/>
           </a:p>
@@ -1740,7 +1741,7 @@
           <a:p>
             <a:fld id="{DDCE6D58-9B57-4731-A47B-3CD41B48F0A9}" type="datetimeFigureOut">
               <a:rPr lang="de-CH" smtClean="0"/>
-              <a:t>21.10.2024</a:t>
+              <a:t>12.11.2024</a:t>
             </a:fld>
             <a:endParaRPr lang="de-CH"/>
           </a:p>
@@ -1835,7 +1836,7 @@
           <a:p>
             <a:fld id="{DDCE6D58-9B57-4731-A47B-3CD41B48F0A9}" type="datetimeFigureOut">
               <a:rPr lang="de-CH" smtClean="0"/>
-              <a:t>21.10.2024</a:t>
+              <a:t>12.11.2024</a:t>
             </a:fld>
             <a:endParaRPr lang="de-CH"/>
           </a:p>
@@ -2112,7 +2113,7 @@
           <a:p>
             <a:fld id="{DDCE6D58-9B57-4731-A47B-3CD41B48F0A9}" type="datetimeFigureOut">
               <a:rPr lang="de-CH" smtClean="0"/>
-              <a:t>21.10.2024</a:t>
+              <a:t>12.11.2024</a:t>
             </a:fld>
             <a:endParaRPr lang="de-CH"/>
           </a:p>
@@ -2365,7 +2366,7 @@
           <a:p>
             <a:fld id="{DDCE6D58-9B57-4731-A47B-3CD41B48F0A9}" type="datetimeFigureOut">
               <a:rPr lang="de-CH" smtClean="0"/>
-              <a:t>21.10.2024</a:t>
+              <a:t>12.11.2024</a:t>
             </a:fld>
             <a:endParaRPr lang="de-CH"/>
           </a:p>
@@ -2578,7 +2579,7 @@
           <a:p>
             <a:fld id="{DDCE6D58-9B57-4731-A47B-3CD41B48F0A9}" type="datetimeFigureOut">
               <a:rPr lang="de-CH" smtClean="0"/>
-              <a:t>21.10.2024</a:t>
+              <a:t>12.11.2024</a:t>
             </a:fld>
             <a:endParaRPr lang="de-CH"/>
           </a:p>
@@ -3057,7 +3058,7 @@
         </p:nvSpPr>
         <p:spPr>
           <a:xfrm>
-            <a:off x="2710331" y="1446453"/>
+            <a:off x="2710331" y="1173073"/>
             <a:ext cx="1854226" cy="276999"/>
           </a:xfrm>
           <a:prstGeom prst="rect">
@@ -3095,7 +3096,7 @@
         </p:nvSpPr>
         <p:spPr>
           <a:xfrm>
-            <a:off x="2745887" y="1703121"/>
+            <a:off x="2745887" y="1429741"/>
             <a:ext cx="4500808" cy="174880"/>
           </a:xfrm>
           <a:prstGeom prst="rect">
@@ -3263,7 +3264,7 @@
         </p:nvSpPr>
         <p:spPr>
           <a:xfrm>
-            <a:off x="2756400" y="2599982"/>
+            <a:off x="2756400" y="2326602"/>
             <a:ext cx="4490295" cy="247619"/>
           </a:xfrm>
           <a:prstGeom prst="rect">
@@ -3331,7 +3332,7 @@
         </p:blipFill>
         <p:spPr>
           <a:xfrm>
-            <a:off x="6575738" y="2634307"/>
+            <a:off x="6575738" y="2360927"/>
             <a:ext cx="321154" cy="157428"/>
           </a:xfrm>
           <a:prstGeom prst="rect">
@@ -3353,7 +3354,7 @@
         </p:nvSpPr>
         <p:spPr>
           <a:xfrm>
-            <a:off x="2756400" y="2946668"/>
+            <a:off x="2756400" y="2673288"/>
             <a:ext cx="4490295" cy="247619"/>
           </a:xfrm>
           <a:prstGeom prst="rect">
@@ -3421,7 +3422,7 @@
         </p:blipFill>
         <p:spPr>
           <a:xfrm>
-            <a:off x="6575738" y="2980993"/>
+            <a:off x="6575738" y="2707613"/>
             <a:ext cx="321154" cy="157428"/>
           </a:xfrm>
           <a:prstGeom prst="rect">
@@ -3443,7 +3444,7 @@
         </p:nvSpPr>
         <p:spPr>
           <a:xfrm>
-            <a:off x="2767553" y="3292352"/>
+            <a:off x="2767553" y="3018972"/>
             <a:ext cx="4490295" cy="247619"/>
           </a:xfrm>
           <a:prstGeom prst="rect">
@@ -3511,7 +3512,7 @@
         </p:blipFill>
         <p:spPr>
           <a:xfrm>
-            <a:off x="6586891" y="3326677"/>
+            <a:off x="6586891" y="3053297"/>
             <a:ext cx="321154" cy="157428"/>
           </a:xfrm>
           <a:prstGeom prst="rect">
@@ -3533,7 +3534,7 @@
         </p:nvSpPr>
         <p:spPr>
           <a:xfrm>
-            <a:off x="2737818" y="1956935"/>
+            <a:off x="2737818" y="1683555"/>
             <a:ext cx="1509738" cy="247619"/>
           </a:xfrm>
           <a:prstGeom prst="rect">
@@ -3593,7 +3594,7 @@
         </p:nvSpPr>
         <p:spPr>
           <a:xfrm>
-            <a:off x="6009712" y="1948948"/>
+            <a:off x="6009712" y="1675568"/>
             <a:ext cx="1253441" cy="247619"/>
           </a:xfrm>
           <a:prstGeom prst="rect">
@@ -3653,7 +3654,7 @@
         </p:nvSpPr>
         <p:spPr>
           <a:xfrm>
-            <a:off x="4365032" y="1963590"/>
+            <a:off x="4365032" y="1690210"/>
             <a:ext cx="1525726" cy="247619"/>
           </a:xfrm>
           <a:prstGeom prst="rect">
@@ -3713,7 +3714,7 @@
         </p:nvSpPr>
         <p:spPr>
           <a:xfrm>
-            <a:off x="2745887" y="2305303"/>
+            <a:off x="2745887" y="2031923"/>
             <a:ext cx="1501669" cy="247619"/>
           </a:xfrm>
           <a:prstGeom prst="rect">
@@ -3773,8 +3774,8 @@
         </p:nvSpPr>
         <p:spPr>
           <a:xfrm>
-            <a:off x="2788028" y="3581101"/>
-            <a:ext cx="4500808" cy="2113455"/>
+            <a:off x="2757040" y="3364656"/>
+            <a:ext cx="4500808" cy="1876646"/>
           </a:xfrm>
           <a:prstGeom prst="rect">
             <a:avLst/>
@@ -3950,36 +3951,66 @@
           </a:p>
         </p:txBody>
       </p:sp>
-      <p:pic>
-        <p:nvPicPr>
-          <p:cNvPr id="57" name="Grafik 56">
-            <a:extLst>
-              <a:ext uri="{FF2B5EF4-FFF2-40B4-BE49-F238E27FC236}">
-                <a16:creationId xmlns:a16="http://schemas.microsoft.com/office/drawing/2014/main" id="{DD4C6D50-48D3-1ABC-0597-4B799DEFC3DA}"/>
-              </a:ext>
-            </a:extLst>
-          </p:cNvPr>
-          <p:cNvPicPr>
-            <a:picLocks noChangeAspect="1"/>
-          </p:cNvPicPr>
-          <p:nvPr/>
-        </p:nvPicPr>
-        <p:blipFill>
-          <a:blip r:embed="rId4"/>
-          <a:stretch>
-            <a:fillRect/>
-          </a:stretch>
-        </p:blipFill>
-        <p:spPr>
-          <a:xfrm>
-            <a:off x="2676021" y="1222103"/>
-            <a:ext cx="4733333" cy="247619"/>
+      <p:sp>
+        <p:nvSpPr>
+          <p:cNvPr id="2" name="Rechteck 1">
+            <a:extLst>
+              <a:ext uri="{FF2B5EF4-FFF2-40B4-BE49-F238E27FC236}">
+                <a16:creationId xmlns:a16="http://schemas.microsoft.com/office/drawing/2014/main" id="{5B961070-0902-6EBE-D304-66BFEC8AD6DF}"/>
+              </a:ext>
+            </a:extLst>
+          </p:cNvPr>
+          <p:cNvSpPr/>
+          <p:nvPr/>
+        </p:nvSpPr>
+        <p:spPr>
+          <a:xfrm>
+            <a:off x="3801977" y="5388278"/>
+            <a:ext cx="2482630" cy="247619"/>
           </a:xfrm>
           <a:prstGeom prst="rect">
             <a:avLst/>
           </a:prstGeom>
-        </p:spPr>
-      </p:pic>
+          <a:noFill/>
+          <a:ln>
+            <a:solidFill>
+              <a:schemeClr val="tx1"/>
+            </a:solidFill>
+          </a:ln>
+        </p:spPr>
+        <p:style>
+          <a:lnRef idx="2">
+            <a:schemeClr val="accent1">
+              <a:shade val="50000"/>
+            </a:schemeClr>
+          </a:lnRef>
+          <a:fillRef idx="1">
+            <a:schemeClr val="accent1"/>
+          </a:fillRef>
+          <a:effectRef idx="0">
+            <a:schemeClr val="accent1"/>
+          </a:effectRef>
+          <a:fontRef idx="minor">
+            <a:schemeClr val="lt1"/>
+          </a:fontRef>
+        </p:style>
+        <p:txBody>
+          <a:bodyPr rtlCol="0" anchor="ctr"/>
+          <a:lstStyle/>
+          <a:p>
+            <a:r>
+              <a:rPr lang="de-CH" sz="1200" dirty="0">
+                <a:solidFill>
+                  <a:schemeClr val="tx1"/>
+                </a:solidFill>
+                <a:latin typeface="Arial" panose="020B0604020202020204" pitchFamily="34" charset="0"/>
+                <a:cs typeface="Arial" panose="020B0604020202020204" pitchFamily="34" charset="0"/>
+              </a:rPr>
+              <a:t>Dateien zum Server hochladen</a:t>
+            </a:r>
+          </a:p>
+        </p:txBody>
+      </p:sp>
     </p:spTree>
     <p:extLst>
       <p:ext uri="{BB962C8B-B14F-4D97-AF65-F5344CB8AC3E}">
@@ -4024,8 +4055,8 @@
         </p:nvSpPr>
         <p:spPr>
           <a:xfrm>
-            <a:off x="3007809" y="126379"/>
-            <a:ext cx="6428422" cy="6660919"/>
+            <a:off x="2686639" y="126379"/>
+            <a:ext cx="6985262" cy="6660919"/>
           </a:xfrm>
           <a:prstGeom prst="rect">
             <a:avLst/>
@@ -4076,7 +4107,7 @@
         </p:nvSpPr>
         <p:spPr>
           <a:xfrm>
-            <a:off x="3113295" y="137532"/>
+            <a:off x="2945130" y="137532"/>
             <a:ext cx="4333461" cy="261610"/>
           </a:xfrm>
           <a:prstGeom prst="rect">
@@ -4092,7 +4123,7 @@
           <a:p>
             <a:r>
               <a:rPr lang="de-CH" sz="1100" b="1" dirty="0" err="1"/>
-              <a:t>Id_layout_page</a:t>
+              <a:t>Id_div_layout_page</a:t>
             </a:r>
             <a:r>
               <a:rPr lang="de-CH" sz="1100" b="1" dirty="0"/>
@@ -4100,7 +4131,7 @@
             </a:r>
             <a:r>
               <a:rPr lang="de-CH" sz="1100" b="1" dirty="0" err="1"/>
-              <a:t>cl_layout_page</a:t>
+              <a:t>cl_div_layout_page</a:t>
             </a:r>
             <a:r>
               <a:rPr lang="de-CH" sz="1100" b="1" dirty="0"/>
@@ -4136,8 +4167,8 @@
         </p:nvSpPr>
         <p:spPr>
           <a:xfrm>
-            <a:off x="3161692" y="410294"/>
-            <a:ext cx="6142563" cy="261611"/>
+            <a:off x="2993527" y="410294"/>
+            <a:ext cx="6511834" cy="261611"/>
           </a:xfrm>
           <a:prstGeom prst="rect">
             <a:avLst/>
@@ -4188,7 +4219,7 @@
         </p:nvSpPr>
         <p:spPr>
           <a:xfrm>
-            <a:off x="3150898" y="387106"/>
+            <a:off x="2982733" y="387106"/>
             <a:ext cx="4333461" cy="261610"/>
           </a:xfrm>
           <a:prstGeom prst="rect">
@@ -4204,7 +4235,7 @@
           <a:p>
             <a:r>
               <a:rPr lang="de-CH" sz="1100" b="1" dirty="0" err="1"/>
-              <a:t>id_layout_logo</a:t>
+              <a:t>id_div_layout_text_logo</a:t>
             </a:r>
             <a:r>
               <a:rPr lang="de-CH" sz="1100" b="1" dirty="0"/>
@@ -4212,7 +4243,7 @@
             </a:r>
             <a:r>
               <a:rPr lang="de-CH" sz="1100" b="1" dirty="0" err="1"/>
-              <a:t>cl_layout_logo</a:t>
+              <a:t>cl_div_layout_text_logo</a:t>
             </a:r>
             <a:r>
               <a:rPr lang="de-CH" sz="1100" b="1" dirty="0"/>
@@ -4236,10 +4267,10 @@
       </p:sp>
       <p:sp>
         <p:nvSpPr>
-          <p:cNvPr id="8" name="Rechteck 7">
-            <a:extLst>
-              <a:ext uri="{FF2B5EF4-FFF2-40B4-BE49-F238E27FC236}">
-                <a16:creationId xmlns:a16="http://schemas.microsoft.com/office/drawing/2014/main" id="{FAA233C2-49FF-246B-3CF9-571EF692884F}"/>
+          <p:cNvPr id="10" name="Rechteck 9">
+            <a:extLst>
+              <a:ext uri="{FF2B5EF4-FFF2-40B4-BE49-F238E27FC236}">
+                <a16:creationId xmlns:a16="http://schemas.microsoft.com/office/drawing/2014/main" id="{8CF89694-04B2-64FA-B7BC-0D48044C9D4F}"/>
               </a:ext>
             </a:extLst>
           </p:cNvPr>
@@ -4248,8 +4279,8 @@
         </p:nvSpPr>
         <p:spPr>
           <a:xfrm>
-            <a:off x="3157978" y="711374"/>
-            <a:ext cx="6142563" cy="261611"/>
+            <a:off x="2989814" y="1568306"/>
+            <a:ext cx="6511834" cy="568714"/>
           </a:xfrm>
           <a:prstGeom prst="rect">
             <a:avLst/>
@@ -4288,10 +4319,10 @@
       </p:sp>
       <p:sp>
         <p:nvSpPr>
-          <p:cNvPr id="9" name="Textfeld 8">
-            <a:extLst>
-              <a:ext uri="{FF2B5EF4-FFF2-40B4-BE49-F238E27FC236}">
-                <a16:creationId xmlns:a16="http://schemas.microsoft.com/office/drawing/2014/main" id="{DBDD70CC-6AAA-9702-1FF9-F26F362485AC}"/>
+          <p:cNvPr id="11" name="Textfeld 10">
+            <a:extLst>
+              <a:ext uri="{FF2B5EF4-FFF2-40B4-BE49-F238E27FC236}">
+                <a16:creationId xmlns:a16="http://schemas.microsoft.com/office/drawing/2014/main" id="{B90C43D0-2328-2718-C43E-4442FDB2CD0B}"/>
               </a:ext>
             </a:extLst>
           </p:cNvPr>
@@ -4300,8 +4331,8 @@
         </p:nvSpPr>
         <p:spPr>
           <a:xfrm>
-            <a:off x="3156608" y="688186"/>
-            <a:ext cx="4333461" cy="261610"/>
+            <a:off x="3161344" y="1527817"/>
+            <a:ext cx="5755238" cy="261610"/>
           </a:xfrm>
           <a:prstGeom prst="rect">
             <a:avLst/>
@@ -4316,7 +4347,31 @@
           <a:p>
             <a:r>
               <a:rPr lang="de-CH" sz="1100" b="1" dirty="0" err="1"/>
-              <a:t>id_layout_login_logout</a:t>
+              <a:t>id_div_layout_button_row_one</a:t>
+            </a:r>
+            <a:r>
+              <a:rPr lang="de-CH" sz="1100" b="1" dirty="0"/>
+              <a:t>  cl_ </a:t>
+            </a:r>
+            <a:r>
+              <a:rPr lang="de-CH" sz="1100" b="1" dirty="0" err="1"/>
+              <a:t>div_layout_button_row_one</a:t>
+            </a:r>
+            <a:r>
+              <a:rPr lang="de-CH" sz="1100" b="1" dirty="0"/>
+              <a:t>  </a:t>
+            </a:r>
+            <a:r>
+              <a:rPr lang="de-CH" sz="1100" b="1" dirty="0" err="1"/>
+              <a:t>clear</a:t>
+            </a:r>
+            <a:r>
+              <a:rPr lang="de-CH" sz="1100" b="1" dirty="0"/>
+              <a:t> </a:t>
+            </a:r>
+            <a:r>
+              <a:rPr lang="de-CH" sz="1100" b="1" dirty="0" err="1"/>
+              <a:t>both</a:t>
             </a:r>
             <a:endParaRPr lang="de-CH" b="1" dirty="0"/>
           </a:p>
@@ -4324,10 +4379,10 @@
       </p:sp>
       <p:sp>
         <p:nvSpPr>
-          <p:cNvPr id="10" name="Rechteck 9">
-            <a:extLst>
-              <a:ext uri="{FF2B5EF4-FFF2-40B4-BE49-F238E27FC236}">
-                <a16:creationId xmlns:a16="http://schemas.microsoft.com/office/drawing/2014/main" id="{8CF89694-04B2-64FA-B7BC-0D48044C9D4F}"/>
+          <p:cNvPr id="12" name="Rechteck 11">
+            <a:extLst>
+              <a:ext uri="{FF2B5EF4-FFF2-40B4-BE49-F238E27FC236}">
+                <a16:creationId xmlns:a16="http://schemas.microsoft.com/office/drawing/2014/main" id="{C4E11070-A3C8-99EB-600C-836E98AF458B}"/>
               </a:ext>
             </a:extLst>
           </p:cNvPr>
@@ -4336,14 +4391,14 @@
         </p:nvSpPr>
         <p:spPr>
           <a:xfrm>
-            <a:off x="3157978" y="1408045"/>
-            <a:ext cx="6142563" cy="568714"/>
+            <a:off x="3366830" y="1792776"/>
+            <a:ext cx="1826575" cy="289123"/>
           </a:xfrm>
           <a:prstGeom prst="rect">
             <a:avLst/>
           </a:prstGeom>
           <a:noFill/>
-          <a:ln w="19050">
+          <a:ln w="12700">
             <a:solidFill>
               <a:schemeClr val="tx1"/>
             </a:solidFill>
@@ -4376,70 +4431,10 @@
       </p:sp>
       <p:sp>
         <p:nvSpPr>
-          <p:cNvPr id="11" name="Textfeld 10">
-            <a:extLst>
-              <a:ext uri="{FF2B5EF4-FFF2-40B4-BE49-F238E27FC236}">
-                <a16:creationId xmlns:a16="http://schemas.microsoft.com/office/drawing/2014/main" id="{B90C43D0-2328-2718-C43E-4442FDB2CD0B}"/>
-              </a:ext>
-            </a:extLst>
-          </p:cNvPr>
-          <p:cNvSpPr txBox="1"/>
-          <p:nvPr/>
-        </p:nvSpPr>
-        <p:spPr>
-          <a:xfrm>
-            <a:off x="3309970" y="1367556"/>
-            <a:ext cx="5428872" cy="261610"/>
-          </a:xfrm>
-          <a:prstGeom prst="rect">
-            <a:avLst/>
-          </a:prstGeom>
-          <a:noFill/>
-        </p:spPr>
-        <p:txBody>
-          <a:bodyPr wrap="square" rtlCol="0">
-            <a:spAutoFit/>
-          </a:bodyPr>
-          <a:lstStyle/>
-          <a:p>
-            <a:r>
-              <a:rPr lang="de-CH" sz="1100" b="1" dirty="0" err="1"/>
-              <a:t>id_div_layout_button_row_one</a:t>
-            </a:r>
-            <a:r>
-              <a:rPr lang="de-CH" sz="1100" b="1" dirty="0"/>
-              <a:t>  cl_ </a:t>
-            </a:r>
-            <a:r>
-              <a:rPr lang="de-CH" sz="1100" b="1" dirty="0" err="1"/>
-              <a:t>div_layout_button_row_one</a:t>
-            </a:r>
-            <a:r>
-              <a:rPr lang="de-CH" sz="1100" b="1" dirty="0"/>
-              <a:t>  </a:t>
-            </a:r>
-            <a:r>
-              <a:rPr lang="de-CH" sz="1100" b="1" dirty="0" err="1"/>
-              <a:t>clear</a:t>
-            </a:r>
-            <a:r>
-              <a:rPr lang="de-CH" sz="1100" b="1" dirty="0"/>
-              <a:t> </a:t>
-            </a:r>
-            <a:r>
-              <a:rPr lang="de-CH" sz="1100" b="1" dirty="0" err="1"/>
-              <a:t>both</a:t>
-            </a:r>
-            <a:endParaRPr lang="de-CH" b="1" dirty="0"/>
-          </a:p>
-        </p:txBody>
-      </p:sp>
-      <p:sp>
-        <p:nvSpPr>
-          <p:cNvPr id="12" name="Rechteck 11">
-            <a:extLst>
-              <a:ext uri="{FF2B5EF4-FFF2-40B4-BE49-F238E27FC236}">
-                <a16:creationId xmlns:a16="http://schemas.microsoft.com/office/drawing/2014/main" id="{C4E11070-A3C8-99EB-600C-836E98AF458B}"/>
+          <p:cNvPr id="13" name="Rechteck 12">
+            <a:extLst>
+              <a:ext uri="{FF2B5EF4-FFF2-40B4-BE49-F238E27FC236}">
+                <a16:creationId xmlns:a16="http://schemas.microsoft.com/office/drawing/2014/main" id="{37ECF2CA-C11E-97D0-3CAB-77F5BCAE4B0B}"/>
               </a:ext>
             </a:extLst>
           </p:cNvPr>
@@ -4448,8 +4443,8 @@
         </p:nvSpPr>
         <p:spPr>
           <a:xfrm>
-            <a:off x="3414000" y="1632515"/>
-            <a:ext cx="1722995" cy="289123"/>
+            <a:off x="7241406" y="1803836"/>
+            <a:ext cx="2004695" cy="289123"/>
           </a:xfrm>
           <a:prstGeom prst="rect">
             <a:avLst/>
@@ -4488,10 +4483,10 @@
       </p:sp>
       <p:sp>
         <p:nvSpPr>
-          <p:cNvPr id="13" name="Rechteck 12">
-            <a:extLst>
-              <a:ext uri="{FF2B5EF4-FFF2-40B4-BE49-F238E27FC236}">
-                <a16:creationId xmlns:a16="http://schemas.microsoft.com/office/drawing/2014/main" id="{37ECF2CA-C11E-97D0-3CAB-77F5BCAE4B0B}"/>
+          <p:cNvPr id="15" name="Rechteck 14">
+            <a:extLst>
+              <a:ext uri="{FF2B5EF4-FFF2-40B4-BE49-F238E27FC236}">
+                <a16:creationId xmlns:a16="http://schemas.microsoft.com/office/drawing/2014/main" id="{8D5F9BD4-54CE-05CA-A382-B03ECD3EE0EF}"/>
               </a:ext>
             </a:extLst>
           </p:cNvPr>
@@ -4500,8 +4495,8 @@
         </p:nvSpPr>
         <p:spPr>
           <a:xfrm>
-            <a:off x="7293177" y="1643575"/>
-            <a:ext cx="1891014" cy="289123"/>
+            <a:off x="5238766" y="1797180"/>
+            <a:ext cx="1874119" cy="289123"/>
           </a:xfrm>
           <a:prstGeom prst="rect">
             <a:avLst/>
@@ -4540,10 +4535,118 @@
       </p:sp>
       <p:sp>
         <p:nvSpPr>
-          <p:cNvPr id="15" name="Rechteck 14">
-            <a:extLst>
-              <a:ext uri="{FF2B5EF4-FFF2-40B4-BE49-F238E27FC236}">
-                <a16:creationId xmlns:a16="http://schemas.microsoft.com/office/drawing/2014/main" id="{8D5F9BD4-54CE-05CA-A382-B03ECD3EE0EF}"/>
+          <p:cNvPr id="16" name="Textfeld 15">
+            <a:extLst>
+              <a:ext uri="{FF2B5EF4-FFF2-40B4-BE49-F238E27FC236}">
+                <a16:creationId xmlns:a16="http://schemas.microsoft.com/office/drawing/2014/main" id="{0A4625DA-178D-E2BA-CFE1-A6633991E57D}"/>
+              </a:ext>
+            </a:extLst>
+          </p:cNvPr>
+          <p:cNvSpPr txBox="1"/>
+          <p:nvPr/>
+        </p:nvSpPr>
+        <p:spPr>
+          <a:xfrm>
+            <a:off x="7267921" y="1817592"/>
+            <a:ext cx="2097394" cy="261610"/>
+          </a:xfrm>
+          <a:prstGeom prst="rect">
+            <a:avLst/>
+          </a:prstGeom>
+          <a:noFill/>
+        </p:spPr>
+        <p:txBody>
+          <a:bodyPr wrap="square" rtlCol="0">
+            <a:spAutoFit/>
+          </a:bodyPr>
+          <a:lstStyle/>
+          <a:p>
+            <a:r>
+              <a:rPr lang="de-CH" sz="1100" b="1" dirty="0" err="1"/>
+              <a:t>id_div_layout_button_three</a:t>
+            </a:r>
+            <a:endParaRPr lang="de-CH" b="1" dirty="0"/>
+          </a:p>
+        </p:txBody>
+      </p:sp>
+      <p:sp>
+        <p:nvSpPr>
+          <p:cNvPr id="17" name="Textfeld 16">
+            <a:extLst>
+              <a:ext uri="{FF2B5EF4-FFF2-40B4-BE49-F238E27FC236}">
+                <a16:creationId xmlns:a16="http://schemas.microsoft.com/office/drawing/2014/main" id="{3DA7C95A-C43B-70D9-11B6-908396F73982}"/>
+              </a:ext>
+            </a:extLst>
+          </p:cNvPr>
+          <p:cNvSpPr txBox="1"/>
+          <p:nvPr/>
+        </p:nvSpPr>
+        <p:spPr>
+          <a:xfrm>
+            <a:off x="3367326" y="1769587"/>
+            <a:ext cx="1860961" cy="261610"/>
+          </a:xfrm>
+          <a:prstGeom prst="rect">
+            <a:avLst/>
+          </a:prstGeom>
+          <a:noFill/>
+        </p:spPr>
+        <p:txBody>
+          <a:bodyPr wrap="square" rtlCol="0">
+            <a:spAutoFit/>
+          </a:bodyPr>
+          <a:lstStyle/>
+          <a:p>
+            <a:r>
+              <a:rPr lang="de-CH" sz="1100" b="1" dirty="0" err="1"/>
+              <a:t>id_div_layout_button_one</a:t>
+            </a:r>
+            <a:endParaRPr lang="de-CH" b="1" dirty="0"/>
+          </a:p>
+        </p:txBody>
+      </p:sp>
+      <p:sp>
+        <p:nvSpPr>
+          <p:cNvPr id="18" name="Textfeld 17">
+            <a:extLst>
+              <a:ext uri="{FF2B5EF4-FFF2-40B4-BE49-F238E27FC236}">
+                <a16:creationId xmlns:a16="http://schemas.microsoft.com/office/drawing/2014/main" id="{A0714DDB-462B-122F-F79B-2B9A26C1593D}"/>
+              </a:ext>
+            </a:extLst>
+          </p:cNvPr>
+          <p:cNvSpPr txBox="1"/>
+          <p:nvPr/>
+        </p:nvSpPr>
+        <p:spPr>
+          <a:xfrm>
+            <a:off x="5245312" y="1817592"/>
+            <a:ext cx="1860961" cy="261610"/>
+          </a:xfrm>
+          <a:prstGeom prst="rect">
+            <a:avLst/>
+          </a:prstGeom>
+          <a:noFill/>
+        </p:spPr>
+        <p:txBody>
+          <a:bodyPr wrap="square" rtlCol="0">
+            <a:spAutoFit/>
+          </a:bodyPr>
+          <a:lstStyle/>
+          <a:p>
+            <a:r>
+              <a:rPr lang="de-CH" sz="1100" b="1" dirty="0" err="1"/>
+              <a:t>id_div_layout_button_two</a:t>
+            </a:r>
+            <a:endParaRPr lang="de-CH" b="1" dirty="0"/>
+          </a:p>
+        </p:txBody>
+      </p:sp>
+      <p:sp>
+        <p:nvSpPr>
+          <p:cNvPr id="19" name="Rechteck 18">
+            <a:extLst>
+              <a:ext uri="{FF2B5EF4-FFF2-40B4-BE49-F238E27FC236}">
+                <a16:creationId xmlns:a16="http://schemas.microsoft.com/office/drawing/2014/main" id="{E0E4AE8D-5BF7-5C1C-A13A-34F1F898533A}"/>
               </a:ext>
             </a:extLst>
           </p:cNvPr>
@@ -4552,14 +4655,14 @@
         </p:nvSpPr>
         <p:spPr>
           <a:xfrm>
-            <a:off x="5287165" y="1636919"/>
-            <a:ext cx="1767842" cy="289123"/>
+            <a:off x="2982301" y="2199134"/>
+            <a:ext cx="6511834" cy="568714"/>
           </a:xfrm>
           <a:prstGeom prst="rect">
             <a:avLst/>
           </a:prstGeom>
           <a:noFill/>
-          <a:ln w="12700">
+          <a:ln w="19050">
             <a:solidFill>
               <a:schemeClr val="tx1"/>
             </a:solidFill>
@@ -4592,10 +4695,10 @@
       </p:sp>
       <p:sp>
         <p:nvSpPr>
-          <p:cNvPr id="16" name="Textfeld 15">
-            <a:extLst>
-              <a:ext uri="{FF2B5EF4-FFF2-40B4-BE49-F238E27FC236}">
-                <a16:creationId xmlns:a16="http://schemas.microsoft.com/office/drawing/2014/main" id="{0A4625DA-178D-E2BA-CFE1-A6633991E57D}"/>
+          <p:cNvPr id="20" name="Textfeld 19">
+            <a:extLst>
+              <a:ext uri="{FF2B5EF4-FFF2-40B4-BE49-F238E27FC236}">
+                <a16:creationId xmlns:a16="http://schemas.microsoft.com/office/drawing/2014/main" id="{7A6B2D49-677A-BE9B-45AC-0493F9B86481}"/>
               </a:ext>
             </a:extLst>
           </p:cNvPr>
@@ -4604,8 +4707,8 @@
         </p:nvSpPr>
         <p:spPr>
           <a:xfrm>
-            <a:off x="7322085" y="1657331"/>
-            <a:ext cx="1978456" cy="261610"/>
+            <a:off x="3153831" y="2158645"/>
+            <a:ext cx="5755238" cy="261610"/>
           </a:xfrm>
           <a:prstGeom prst="rect">
             <a:avLst/>
@@ -4620,7 +4723,31 @@
           <a:p>
             <a:r>
               <a:rPr lang="de-CH" sz="1100" b="1" dirty="0" err="1"/>
-              <a:t>id_div_layout_button_three</a:t>
+              <a:t>id_div_layout_button_row_two</a:t>
+            </a:r>
+            <a:r>
+              <a:rPr lang="de-CH" sz="1100" b="1" dirty="0"/>
+              <a:t>  cl_ </a:t>
+            </a:r>
+            <a:r>
+              <a:rPr lang="de-CH" sz="1100" b="1" dirty="0" err="1"/>
+              <a:t>div_layout_button_row_two</a:t>
+            </a:r>
+            <a:r>
+              <a:rPr lang="de-CH" sz="1100" b="1" dirty="0"/>
+              <a:t>  </a:t>
+            </a:r>
+            <a:r>
+              <a:rPr lang="de-CH" sz="1100" b="1" dirty="0" err="1"/>
+              <a:t>clear</a:t>
+            </a:r>
+            <a:r>
+              <a:rPr lang="de-CH" sz="1100" b="1" dirty="0"/>
+              <a:t> </a:t>
+            </a:r>
+            <a:r>
+              <a:rPr lang="de-CH" sz="1100" b="1" dirty="0" err="1"/>
+              <a:t>both</a:t>
             </a:r>
             <a:endParaRPr lang="de-CH" b="1" dirty="0"/>
           </a:p>
@@ -4628,98 +4755,26 @@
       </p:sp>
       <p:sp>
         <p:nvSpPr>
-          <p:cNvPr id="17" name="Textfeld 16">
-            <a:extLst>
-              <a:ext uri="{FF2B5EF4-FFF2-40B4-BE49-F238E27FC236}">
-                <a16:creationId xmlns:a16="http://schemas.microsoft.com/office/drawing/2014/main" id="{3DA7C95A-C43B-70D9-11B6-908396F73982}"/>
-              </a:ext>
-            </a:extLst>
-          </p:cNvPr>
-          <p:cNvSpPr txBox="1"/>
-          <p:nvPr/>
-        </p:nvSpPr>
-        <p:spPr>
-          <a:xfrm>
-            <a:off x="3415384" y="1609326"/>
-            <a:ext cx="1755431" cy="261610"/>
+          <p:cNvPr id="21" name="Rechteck 20">
+            <a:extLst>
+              <a:ext uri="{FF2B5EF4-FFF2-40B4-BE49-F238E27FC236}">
+                <a16:creationId xmlns:a16="http://schemas.microsoft.com/office/drawing/2014/main" id="{860E1E40-D7BB-F505-F992-C61FAE9042B5}"/>
+              </a:ext>
+            </a:extLst>
+          </p:cNvPr>
+          <p:cNvSpPr/>
+          <p:nvPr/>
+        </p:nvSpPr>
+        <p:spPr>
+          <a:xfrm>
+            <a:off x="3359317" y="2423604"/>
+            <a:ext cx="1826575" cy="289123"/>
           </a:xfrm>
           <a:prstGeom prst="rect">
             <a:avLst/>
           </a:prstGeom>
           <a:noFill/>
-        </p:spPr>
-        <p:txBody>
-          <a:bodyPr wrap="square" rtlCol="0">
-            <a:spAutoFit/>
-          </a:bodyPr>
-          <a:lstStyle/>
-          <a:p>
-            <a:r>
-              <a:rPr lang="de-CH" sz="1100" b="1" dirty="0" err="1"/>
-              <a:t>id_div_layout_button_one</a:t>
-            </a:r>
-            <a:endParaRPr lang="de-CH" b="1" dirty="0"/>
-          </a:p>
-        </p:txBody>
-      </p:sp>
-      <p:sp>
-        <p:nvSpPr>
-          <p:cNvPr id="18" name="Textfeld 17">
-            <a:extLst>
-              <a:ext uri="{FF2B5EF4-FFF2-40B4-BE49-F238E27FC236}">
-                <a16:creationId xmlns:a16="http://schemas.microsoft.com/office/drawing/2014/main" id="{A0714DDB-462B-122F-F79B-2B9A26C1593D}"/>
-              </a:ext>
-            </a:extLst>
-          </p:cNvPr>
-          <p:cNvSpPr txBox="1"/>
-          <p:nvPr/>
-        </p:nvSpPr>
-        <p:spPr>
-          <a:xfrm>
-            <a:off x="5293370" y="1657331"/>
-            <a:ext cx="1755431" cy="261610"/>
-          </a:xfrm>
-          <a:prstGeom prst="rect">
-            <a:avLst/>
-          </a:prstGeom>
-          <a:noFill/>
-        </p:spPr>
-        <p:txBody>
-          <a:bodyPr wrap="square" rtlCol="0">
-            <a:spAutoFit/>
-          </a:bodyPr>
-          <a:lstStyle/>
-          <a:p>
-            <a:r>
-              <a:rPr lang="de-CH" sz="1100" b="1" dirty="0" err="1"/>
-              <a:t>id_div_layout_button_two</a:t>
-            </a:r>
-            <a:endParaRPr lang="de-CH" b="1" dirty="0"/>
-          </a:p>
-        </p:txBody>
-      </p:sp>
-      <p:sp>
-        <p:nvSpPr>
-          <p:cNvPr id="19" name="Rechteck 18">
-            <a:extLst>
-              <a:ext uri="{FF2B5EF4-FFF2-40B4-BE49-F238E27FC236}">
-                <a16:creationId xmlns:a16="http://schemas.microsoft.com/office/drawing/2014/main" id="{E0E4AE8D-5BF7-5C1C-A13A-34F1F898533A}"/>
-              </a:ext>
-            </a:extLst>
-          </p:cNvPr>
-          <p:cNvSpPr/>
-          <p:nvPr/>
-        </p:nvSpPr>
-        <p:spPr>
-          <a:xfrm>
-            <a:off x="3150465" y="2114289"/>
-            <a:ext cx="6142563" cy="568714"/>
-          </a:xfrm>
-          <a:prstGeom prst="rect">
-            <a:avLst/>
-          </a:prstGeom>
-          <a:noFill/>
-          <a:ln w="19050">
+          <a:ln w="12700">
             <a:solidFill>
               <a:schemeClr val="tx1"/>
             </a:solidFill>
@@ -4752,70 +4807,10 @@
       </p:sp>
       <p:sp>
         <p:nvSpPr>
-          <p:cNvPr id="20" name="Textfeld 19">
-            <a:extLst>
-              <a:ext uri="{FF2B5EF4-FFF2-40B4-BE49-F238E27FC236}">
-                <a16:creationId xmlns:a16="http://schemas.microsoft.com/office/drawing/2014/main" id="{7A6B2D49-677A-BE9B-45AC-0493F9B86481}"/>
-              </a:ext>
-            </a:extLst>
-          </p:cNvPr>
-          <p:cNvSpPr txBox="1"/>
-          <p:nvPr/>
-        </p:nvSpPr>
-        <p:spPr>
-          <a:xfrm>
-            <a:off x="3302457" y="2073800"/>
-            <a:ext cx="5428872" cy="261610"/>
-          </a:xfrm>
-          <a:prstGeom prst="rect">
-            <a:avLst/>
-          </a:prstGeom>
-          <a:noFill/>
-        </p:spPr>
-        <p:txBody>
-          <a:bodyPr wrap="square" rtlCol="0">
-            <a:spAutoFit/>
-          </a:bodyPr>
-          <a:lstStyle/>
-          <a:p>
-            <a:r>
-              <a:rPr lang="de-CH" sz="1100" b="1" dirty="0" err="1"/>
-              <a:t>id_div_layout_button_row_two</a:t>
-            </a:r>
-            <a:r>
-              <a:rPr lang="de-CH" sz="1100" b="1" dirty="0"/>
-              <a:t>  cl_ </a:t>
-            </a:r>
-            <a:r>
-              <a:rPr lang="de-CH" sz="1100" b="1" dirty="0" err="1"/>
-              <a:t>div_layout_button_row_two</a:t>
-            </a:r>
-            <a:r>
-              <a:rPr lang="de-CH" sz="1100" b="1" dirty="0"/>
-              <a:t>  </a:t>
-            </a:r>
-            <a:r>
-              <a:rPr lang="de-CH" sz="1100" b="1" dirty="0" err="1"/>
-              <a:t>clear</a:t>
-            </a:r>
-            <a:r>
-              <a:rPr lang="de-CH" sz="1100" b="1" dirty="0"/>
-              <a:t> </a:t>
-            </a:r>
-            <a:r>
-              <a:rPr lang="de-CH" sz="1100" b="1" dirty="0" err="1"/>
-              <a:t>both</a:t>
-            </a:r>
-            <a:endParaRPr lang="de-CH" b="1" dirty="0"/>
-          </a:p>
-        </p:txBody>
-      </p:sp>
-      <p:sp>
-        <p:nvSpPr>
-          <p:cNvPr id="21" name="Rechteck 20">
-            <a:extLst>
-              <a:ext uri="{FF2B5EF4-FFF2-40B4-BE49-F238E27FC236}">
-                <a16:creationId xmlns:a16="http://schemas.microsoft.com/office/drawing/2014/main" id="{860E1E40-D7BB-F505-F992-C61FAE9042B5}"/>
+          <p:cNvPr id="22" name="Rechteck 21">
+            <a:extLst>
+              <a:ext uri="{FF2B5EF4-FFF2-40B4-BE49-F238E27FC236}">
+                <a16:creationId xmlns:a16="http://schemas.microsoft.com/office/drawing/2014/main" id="{923F79D7-B74C-F98B-6454-D599E4B80FAB}"/>
               </a:ext>
             </a:extLst>
           </p:cNvPr>
@@ -4824,8 +4819,8 @@
         </p:nvSpPr>
         <p:spPr>
           <a:xfrm>
-            <a:off x="3406487" y="2338759"/>
-            <a:ext cx="1722995" cy="289123"/>
+            <a:off x="7233893" y="2434664"/>
+            <a:ext cx="2004695" cy="289123"/>
           </a:xfrm>
           <a:prstGeom prst="rect">
             <a:avLst/>
@@ -4864,10 +4859,10 @@
       </p:sp>
       <p:sp>
         <p:nvSpPr>
-          <p:cNvPr id="22" name="Rechteck 21">
-            <a:extLst>
-              <a:ext uri="{FF2B5EF4-FFF2-40B4-BE49-F238E27FC236}">
-                <a16:creationId xmlns:a16="http://schemas.microsoft.com/office/drawing/2014/main" id="{923F79D7-B74C-F98B-6454-D599E4B80FAB}"/>
+          <p:cNvPr id="23" name="Rechteck 22">
+            <a:extLst>
+              <a:ext uri="{FF2B5EF4-FFF2-40B4-BE49-F238E27FC236}">
+                <a16:creationId xmlns:a16="http://schemas.microsoft.com/office/drawing/2014/main" id="{549025BD-39C4-2CE7-BAA8-47347918DEBD}"/>
               </a:ext>
             </a:extLst>
           </p:cNvPr>
@@ -4876,8 +4871,8 @@
         </p:nvSpPr>
         <p:spPr>
           <a:xfrm>
-            <a:off x="7285664" y="2349819"/>
-            <a:ext cx="1891014" cy="289123"/>
+            <a:off x="5231253" y="2428008"/>
+            <a:ext cx="1874119" cy="289123"/>
           </a:xfrm>
           <a:prstGeom prst="rect">
             <a:avLst/>
@@ -4916,10 +4911,118 @@
       </p:sp>
       <p:sp>
         <p:nvSpPr>
-          <p:cNvPr id="23" name="Rechteck 22">
-            <a:extLst>
-              <a:ext uri="{FF2B5EF4-FFF2-40B4-BE49-F238E27FC236}">
-                <a16:creationId xmlns:a16="http://schemas.microsoft.com/office/drawing/2014/main" id="{549025BD-39C4-2CE7-BAA8-47347918DEBD}"/>
+          <p:cNvPr id="24" name="Textfeld 23">
+            <a:extLst>
+              <a:ext uri="{FF2B5EF4-FFF2-40B4-BE49-F238E27FC236}">
+                <a16:creationId xmlns:a16="http://schemas.microsoft.com/office/drawing/2014/main" id="{BFE70EC5-A7B6-6228-537C-E466FE42F0C3}"/>
+              </a:ext>
+            </a:extLst>
+          </p:cNvPr>
+          <p:cNvSpPr txBox="1"/>
+          <p:nvPr/>
+        </p:nvSpPr>
+        <p:spPr>
+          <a:xfrm>
+            <a:off x="7260408" y="2448420"/>
+            <a:ext cx="2097394" cy="261610"/>
+          </a:xfrm>
+          <a:prstGeom prst="rect">
+            <a:avLst/>
+          </a:prstGeom>
+          <a:noFill/>
+        </p:spPr>
+        <p:txBody>
+          <a:bodyPr wrap="square" rtlCol="0">
+            <a:spAutoFit/>
+          </a:bodyPr>
+          <a:lstStyle/>
+          <a:p>
+            <a:r>
+              <a:rPr lang="de-CH" sz="1100" b="1" dirty="0" err="1"/>
+              <a:t>id_div_layout_button_six</a:t>
+            </a:r>
+            <a:endParaRPr lang="de-CH" b="1" dirty="0"/>
+          </a:p>
+        </p:txBody>
+      </p:sp>
+      <p:sp>
+        <p:nvSpPr>
+          <p:cNvPr id="25" name="Textfeld 24">
+            <a:extLst>
+              <a:ext uri="{FF2B5EF4-FFF2-40B4-BE49-F238E27FC236}">
+                <a16:creationId xmlns:a16="http://schemas.microsoft.com/office/drawing/2014/main" id="{2B8AF87B-CD78-5037-FB52-A3E25054EEB5}"/>
+              </a:ext>
+            </a:extLst>
+          </p:cNvPr>
+          <p:cNvSpPr txBox="1"/>
+          <p:nvPr/>
+        </p:nvSpPr>
+        <p:spPr>
+          <a:xfrm>
+            <a:off x="3357890" y="2400415"/>
+            <a:ext cx="1935393" cy="261610"/>
+          </a:xfrm>
+          <a:prstGeom prst="rect">
+            <a:avLst/>
+          </a:prstGeom>
+          <a:noFill/>
+        </p:spPr>
+        <p:txBody>
+          <a:bodyPr wrap="square" rtlCol="0">
+            <a:spAutoFit/>
+          </a:bodyPr>
+          <a:lstStyle/>
+          <a:p>
+            <a:r>
+              <a:rPr lang="de-CH" sz="1100" b="1" dirty="0" err="1"/>
+              <a:t>id_div_layout_button_four</a:t>
+            </a:r>
+            <a:endParaRPr lang="de-CH" b="1" dirty="0"/>
+          </a:p>
+        </p:txBody>
+      </p:sp>
+      <p:sp>
+        <p:nvSpPr>
+          <p:cNvPr id="26" name="Textfeld 25">
+            <a:extLst>
+              <a:ext uri="{FF2B5EF4-FFF2-40B4-BE49-F238E27FC236}">
+                <a16:creationId xmlns:a16="http://schemas.microsoft.com/office/drawing/2014/main" id="{3B856456-A242-FEE4-8557-3E9B4313270D}"/>
+              </a:ext>
+            </a:extLst>
+          </p:cNvPr>
+          <p:cNvSpPr txBox="1"/>
+          <p:nvPr/>
+        </p:nvSpPr>
+        <p:spPr>
+          <a:xfrm>
+            <a:off x="5237799" y="2448420"/>
+            <a:ext cx="1860961" cy="261610"/>
+          </a:xfrm>
+          <a:prstGeom prst="rect">
+            <a:avLst/>
+          </a:prstGeom>
+          <a:noFill/>
+        </p:spPr>
+        <p:txBody>
+          <a:bodyPr wrap="square" rtlCol="0">
+            <a:spAutoFit/>
+          </a:bodyPr>
+          <a:lstStyle/>
+          <a:p>
+            <a:r>
+              <a:rPr lang="de-CH" sz="1100" b="1" dirty="0" err="1"/>
+              <a:t>id_div_layout_button_five</a:t>
+            </a:r>
+            <a:endParaRPr lang="de-CH" b="1" dirty="0"/>
+          </a:p>
+        </p:txBody>
+      </p:sp>
+      <p:sp>
+        <p:nvSpPr>
+          <p:cNvPr id="27" name="Rechteck 26">
+            <a:extLst>
+              <a:ext uri="{FF2B5EF4-FFF2-40B4-BE49-F238E27FC236}">
+                <a16:creationId xmlns:a16="http://schemas.microsoft.com/office/drawing/2014/main" id="{8BBCDABF-000E-07AB-714B-71EB40C33B71}"/>
               </a:ext>
             </a:extLst>
           </p:cNvPr>
@@ -4928,14 +5031,14 @@
         </p:nvSpPr>
         <p:spPr>
           <a:xfrm>
-            <a:off x="5279652" y="2343163"/>
-            <a:ext cx="1767842" cy="289123"/>
+            <a:off x="2991184" y="1278522"/>
+            <a:ext cx="6511834" cy="261611"/>
           </a:xfrm>
           <a:prstGeom prst="rect">
             <a:avLst/>
           </a:prstGeom>
           <a:noFill/>
-          <a:ln w="12700">
+          <a:ln w="19050">
             <a:solidFill>
               <a:schemeClr val="tx1"/>
             </a:solidFill>
@@ -4968,10 +5071,10 @@
       </p:sp>
       <p:sp>
         <p:nvSpPr>
-          <p:cNvPr id="24" name="Textfeld 23">
-            <a:extLst>
-              <a:ext uri="{FF2B5EF4-FFF2-40B4-BE49-F238E27FC236}">
-                <a16:creationId xmlns:a16="http://schemas.microsoft.com/office/drawing/2014/main" id="{BFE70EC5-A7B6-6228-537C-E466FE42F0C3}"/>
+          <p:cNvPr id="28" name="Textfeld 27">
+            <a:extLst>
+              <a:ext uri="{FF2B5EF4-FFF2-40B4-BE49-F238E27FC236}">
+                <a16:creationId xmlns:a16="http://schemas.microsoft.com/office/drawing/2014/main" id="{D91F6DA6-6C0B-9DDC-DB7E-9CD6936FC19A}"/>
               </a:ext>
             </a:extLst>
           </p:cNvPr>
@@ -4980,8 +5083,8 @@
         </p:nvSpPr>
         <p:spPr>
           <a:xfrm>
-            <a:off x="7314572" y="2363575"/>
-            <a:ext cx="1978456" cy="261610"/>
+            <a:off x="3039342" y="1255334"/>
+            <a:ext cx="4593974" cy="261610"/>
           </a:xfrm>
           <a:prstGeom prst="rect">
             <a:avLst/>
@@ -4996,7 +5099,19 @@
           <a:p>
             <a:r>
               <a:rPr lang="de-CH" sz="1100" b="1" dirty="0" err="1"/>
-              <a:t>id_div_layout_button_six</a:t>
+              <a:t>id_div_layout_result_dir</a:t>
+            </a:r>
+            <a:r>
+              <a:rPr lang="de-CH" sz="1100" b="1" dirty="0"/>
+              <a:t> </a:t>
+            </a:r>
+            <a:r>
+              <a:rPr lang="de-CH" sz="1100" b="1" dirty="0" err="1"/>
+              <a:t>cl_div_layout_result_dir</a:t>
+            </a:r>
+            <a:r>
+              <a:rPr lang="de-CH" sz="1100" b="1" dirty="0"/>
+              <a:t> </a:t>
             </a:r>
             <a:endParaRPr lang="de-CH" b="1" dirty="0"/>
           </a:p>
@@ -5004,82 +5119,10 @@
       </p:sp>
       <p:sp>
         <p:nvSpPr>
-          <p:cNvPr id="25" name="Textfeld 24">
-            <a:extLst>
-              <a:ext uri="{FF2B5EF4-FFF2-40B4-BE49-F238E27FC236}">
-                <a16:creationId xmlns:a16="http://schemas.microsoft.com/office/drawing/2014/main" id="{2B8AF87B-CD78-5037-FB52-A3E25054EEB5}"/>
-              </a:ext>
-            </a:extLst>
-          </p:cNvPr>
-          <p:cNvSpPr txBox="1"/>
-          <p:nvPr/>
-        </p:nvSpPr>
-        <p:spPr>
-          <a:xfrm>
-            <a:off x="3407871" y="2315570"/>
-            <a:ext cx="1825641" cy="261610"/>
-          </a:xfrm>
-          <a:prstGeom prst="rect">
-            <a:avLst/>
-          </a:prstGeom>
-          <a:noFill/>
-        </p:spPr>
-        <p:txBody>
-          <a:bodyPr wrap="square" rtlCol="0">
-            <a:spAutoFit/>
-          </a:bodyPr>
-          <a:lstStyle/>
-          <a:p>
-            <a:r>
-              <a:rPr lang="de-CH" sz="1100" b="1" dirty="0" err="1"/>
-              <a:t>id_div_layout_button_four</a:t>
-            </a:r>
-            <a:endParaRPr lang="de-CH" b="1" dirty="0"/>
-          </a:p>
-        </p:txBody>
-      </p:sp>
-      <p:sp>
-        <p:nvSpPr>
-          <p:cNvPr id="26" name="Textfeld 25">
-            <a:extLst>
-              <a:ext uri="{FF2B5EF4-FFF2-40B4-BE49-F238E27FC236}">
-                <a16:creationId xmlns:a16="http://schemas.microsoft.com/office/drawing/2014/main" id="{3B856456-A242-FEE4-8557-3E9B4313270D}"/>
-              </a:ext>
-            </a:extLst>
-          </p:cNvPr>
-          <p:cNvSpPr txBox="1"/>
-          <p:nvPr/>
-        </p:nvSpPr>
-        <p:spPr>
-          <a:xfrm>
-            <a:off x="5285857" y="2363575"/>
-            <a:ext cx="1755431" cy="261610"/>
-          </a:xfrm>
-          <a:prstGeom prst="rect">
-            <a:avLst/>
-          </a:prstGeom>
-          <a:noFill/>
-        </p:spPr>
-        <p:txBody>
-          <a:bodyPr wrap="square" rtlCol="0">
-            <a:spAutoFit/>
-          </a:bodyPr>
-          <a:lstStyle/>
-          <a:p>
-            <a:r>
-              <a:rPr lang="de-CH" sz="1100" b="1" dirty="0" err="1"/>
-              <a:t>id_div_layout_button_five</a:t>
-            </a:r>
-            <a:endParaRPr lang="de-CH" b="1" dirty="0"/>
-          </a:p>
-        </p:txBody>
-      </p:sp>
-      <p:sp>
-        <p:nvSpPr>
-          <p:cNvPr id="27" name="Rechteck 26">
-            <a:extLst>
-              <a:ext uri="{FF2B5EF4-FFF2-40B4-BE49-F238E27FC236}">
-                <a16:creationId xmlns:a16="http://schemas.microsoft.com/office/drawing/2014/main" id="{8BBCDABF-000E-07AB-714B-71EB40C33B71}"/>
+          <p:cNvPr id="29" name="Rechteck 28">
+            <a:extLst>
+              <a:ext uri="{FF2B5EF4-FFF2-40B4-BE49-F238E27FC236}">
+                <a16:creationId xmlns:a16="http://schemas.microsoft.com/office/drawing/2014/main" id="{6F03D5A2-3F98-D52B-C333-EF41FD002936}"/>
               </a:ext>
             </a:extLst>
           </p:cNvPr>
@@ -5088,8 +5131,8 @@
         </p:nvSpPr>
         <p:spPr>
           <a:xfrm>
-            <a:off x="3159348" y="1080553"/>
-            <a:ext cx="6142563" cy="261611"/>
+            <a:off x="2990019" y="6086799"/>
+            <a:ext cx="6503869" cy="518531"/>
           </a:xfrm>
           <a:prstGeom prst="rect">
             <a:avLst/>
@@ -5128,10 +5171,10 @@
       </p:sp>
       <p:sp>
         <p:nvSpPr>
-          <p:cNvPr id="28" name="Textfeld 27">
-            <a:extLst>
-              <a:ext uri="{FF2B5EF4-FFF2-40B4-BE49-F238E27FC236}">
-                <a16:creationId xmlns:a16="http://schemas.microsoft.com/office/drawing/2014/main" id="{D91F6DA6-6C0B-9DDC-DB7E-9CD6936FC19A}"/>
+          <p:cNvPr id="30" name="Textfeld 29">
+            <a:extLst>
+              <a:ext uri="{FF2B5EF4-FFF2-40B4-BE49-F238E27FC236}">
+                <a16:creationId xmlns:a16="http://schemas.microsoft.com/office/drawing/2014/main" id="{00ECB773-574E-7523-A37A-E6D90B505E3F}"/>
               </a:ext>
             </a:extLst>
           </p:cNvPr>
@@ -5140,8 +5183,8 @@
         </p:nvSpPr>
         <p:spPr>
           <a:xfrm>
-            <a:off x="3157978" y="1057365"/>
-            <a:ext cx="4333461" cy="261610"/>
+            <a:off x="3235939" y="6063611"/>
+            <a:ext cx="4593974" cy="261610"/>
           </a:xfrm>
           <a:prstGeom prst="rect">
             <a:avLst/>
@@ -5156,30 +5199,42 @@
           <a:p>
             <a:r>
               <a:rPr lang="de-CH" sz="1100" b="1" dirty="0" err="1"/>
-              <a:t>id_layout_result_dir</a:t>
-            </a:r>
-            <a:r>
-              <a:rPr lang="de-CH" sz="1100" b="1" dirty="0"/>
-              <a:t> cl _</a:t>
-            </a:r>
-            <a:r>
-              <a:rPr lang="de-CH" sz="1100" b="1" dirty="0" err="1"/>
-              <a:t>layout_result_dir</a:t>
+              <a:t>id_div_layout_bottom_row</a:t>
             </a:r>
             <a:r>
               <a:rPr lang="de-CH" sz="1100" b="1" dirty="0"/>
               <a:t> </a:t>
             </a:r>
+            <a:r>
+              <a:rPr lang="de-CH" sz="1100" b="1" dirty="0" err="1"/>
+              <a:t>cl_div_layout_bottom_row</a:t>
+            </a:r>
+            <a:r>
+              <a:rPr lang="de-CH" sz="1100" b="1" dirty="0"/>
+              <a:t>  </a:t>
+            </a:r>
+            <a:r>
+              <a:rPr lang="de-CH" sz="1100" b="1" dirty="0" err="1"/>
+              <a:t>clear</a:t>
+            </a:r>
+            <a:r>
+              <a:rPr lang="de-CH" sz="1100" b="1" dirty="0"/>
+              <a:t> </a:t>
+            </a:r>
+            <a:r>
+              <a:rPr lang="de-CH" sz="1100" b="1" dirty="0" err="1"/>
+              <a:t>both</a:t>
+            </a:r>
             <a:endParaRPr lang="de-CH" b="1" dirty="0"/>
           </a:p>
         </p:txBody>
       </p:sp>
       <p:sp>
         <p:nvSpPr>
-          <p:cNvPr id="29" name="Rechteck 28">
-            <a:extLst>
-              <a:ext uri="{FF2B5EF4-FFF2-40B4-BE49-F238E27FC236}">
-                <a16:creationId xmlns:a16="http://schemas.microsoft.com/office/drawing/2014/main" id="{6F03D5A2-3F98-D52B-C333-EF41FD002936}"/>
+          <p:cNvPr id="31" name="Rechteck 30">
+            <a:extLst>
+              <a:ext uri="{FF2B5EF4-FFF2-40B4-BE49-F238E27FC236}">
+                <a16:creationId xmlns:a16="http://schemas.microsoft.com/office/drawing/2014/main" id="{C75CA61E-29C4-910E-79BD-9519F0485441}"/>
               </a:ext>
             </a:extLst>
           </p:cNvPr>
@@ -5188,14 +5243,14 @@
         </p:nvSpPr>
         <p:spPr>
           <a:xfrm>
-            <a:off x="3157978" y="6143359"/>
-            <a:ext cx="6135050" cy="518531"/>
+            <a:off x="3428528" y="6337143"/>
+            <a:ext cx="1248534" cy="237807"/>
           </a:xfrm>
           <a:prstGeom prst="rect">
             <a:avLst/>
           </a:prstGeom>
           <a:noFill/>
-          <a:ln w="19050">
+          <a:ln w="12700">
             <a:solidFill>
               <a:schemeClr val="tx1"/>
             </a:solidFill>
@@ -5228,70 +5283,10 @@
       </p:sp>
       <p:sp>
         <p:nvSpPr>
-          <p:cNvPr id="30" name="Textfeld 29">
-            <a:extLst>
-              <a:ext uri="{FF2B5EF4-FFF2-40B4-BE49-F238E27FC236}">
-                <a16:creationId xmlns:a16="http://schemas.microsoft.com/office/drawing/2014/main" id="{00ECB773-574E-7523-A37A-E6D90B505E3F}"/>
-              </a:ext>
-            </a:extLst>
-          </p:cNvPr>
-          <p:cNvSpPr txBox="1"/>
-          <p:nvPr/>
-        </p:nvSpPr>
-        <p:spPr>
-          <a:xfrm>
-            <a:off x="3354575" y="6120171"/>
-            <a:ext cx="4333461" cy="261610"/>
-          </a:xfrm>
-          <a:prstGeom prst="rect">
-            <a:avLst/>
-          </a:prstGeom>
-          <a:noFill/>
-        </p:spPr>
-        <p:txBody>
-          <a:bodyPr wrap="square" rtlCol="0">
-            <a:spAutoFit/>
-          </a:bodyPr>
-          <a:lstStyle/>
-          <a:p>
-            <a:r>
-              <a:rPr lang="de-CH" sz="1100" b="1" dirty="0" err="1"/>
-              <a:t>id_div_layout_bottom_row</a:t>
-            </a:r>
-            <a:r>
-              <a:rPr lang="de-CH" sz="1100" b="1" dirty="0"/>
-              <a:t> </a:t>
-            </a:r>
-            <a:r>
-              <a:rPr lang="de-CH" sz="1100" b="1" dirty="0" err="1"/>
-              <a:t>cl_div_layout_bottom_row</a:t>
-            </a:r>
-            <a:r>
-              <a:rPr lang="de-CH" sz="1100" b="1" dirty="0"/>
-              <a:t>  </a:t>
-            </a:r>
-            <a:r>
-              <a:rPr lang="de-CH" sz="1100" b="1" dirty="0" err="1"/>
-              <a:t>clear</a:t>
-            </a:r>
-            <a:r>
-              <a:rPr lang="de-CH" sz="1100" b="1" dirty="0"/>
-              <a:t> </a:t>
-            </a:r>
-            <a:r>
-              <a:rPr lang="de-CH" sz="1100" b="1" dirty="0" err="1"/>
-              <a:t>both</a:t>
-            </a:r>
-            <a:endParaRPr lang="de-CH" b="1" dirty="0"/>
-          </a:p>
-        </p:txBody>
-      </p:sp>
-      <p:sp>
-        <p:nvSpPr>
-          <p:cNvPr id="31" name="Rechteck 30">
-            <a:extLst>
-              <a:ext uri="{FF2B5EF4-FFF2-40B4-BE49-F238E27FC236}">
-                <a16:creationId xmlns:a16="http://schemas.microsoft.com/office/drawing/2014/main" id="{C75CA61E-29C4-910E-79BD-9519F0485441}"/>
+          <p:cNvPr id="32" name="Rechteck 31">
+            <a:extLst>
+              <a:ext uri="{FF2B5EF4-FFF2-40B4-BE49-F238E27FC236}">
+                <a16:creationId xmlns:a16="http://schemas.microsoft.com/office/drawing/2014/main" id="{7BD8E6E3-B236-7A77-BBF0-46E99EE79A65}"/>
               </a:ext>
             </a:extLst>
           </p:cNvPr>
@@ -5300,8 +5295,8 @@
         </p:nvSpPr>
         <p:spPr>
           <a:xfrm>
-            <a:off x="3460771" y="6393703"/>
-            <a:ext cx="1177732" cy="237807"/>
+            <a:off x="5246625" y="6348409"/>
+            <a:ext cx="1569852" cy="218931"/>
           </a:xfrm>
           <a:prstGeom prst="rect">
             <a:avLst/>
@@ -5340,10 +5335,10 @@
       </p:sp>
       <p:sp>
         <p:nvSpPr>
-          <p:cNvPr id="32" name="Rechteck 31">
-            <a:extLst>
-              <a:ext uri="{FF2B5EF4-FFF2-40B4-BE49-F238E27FC236}">
-                <a16:creationId xmlns:a16="http://schemas.microsoft.com/office/drawing/2014/main" id="{7BD8E6E3-B236-7A77-BBF0-46E99EE79A65}"/>
+          <p:cNvPr id="33" name="Rechteck 32">
+            <a:extLst>
+              <a:ext uri="{FF2B5EF4-FFF2-40B4-BE49-F238E27FC236}">
+                <a16:creationId xmlns:a16="http://schemas.microsoft.com/office/drawing/2014/main" id="{6EFBBB70-6F5C-3D7A-6034-6D6BC7EE4B42}"/>
               </a:ext>
             </a:extLst>
           </p:cNvPr>
@@ -5352,8 +5347,8 @@
         </p:nvSpPr>
         <p:spPr>
           <a:xfrm>
-            <a:off x="5287165" y="6404969"/>
-            <a:ext cx="1480829" cy="218931"/>
+            <a:off x="7407421" y="6348409"/>
+            <a:ext cx="1523119" cy="208775"/>
           </a:xfrm>
           <a:prstGeom prst="rect">
             <a:avLst/>
@@ -5392,10 +5387,82 @@
       </p:sp>
       <p:sp>
         <p:nvSpPr>
-          <p:cNvPr id="33" name="Rechteck 32">
-            <a:extLst>
-              <a:ext uri="{FF2B5EF4-FFF2-40B4-BE49-F238E27FC236}">
-                <a16:creationId xmlns:a16="http://schemas.microsoft.com/office/drawing/2014/main" id="{6EFBBB70-6F5C-3D7A-6034-6D6BC7EE4B42}"/>
+          <p:cNvPr id="34" name="Textfeld 33">
+            <a:extLst>
+              <a:ext uri="{FF2B5EF4-FFF2-40B4-BE49-F238E27FC236}">
+                <a16:creationId xmlns:a16="http://schemas.microsoft.com/office/drawing/2014/main" id="{CCBBAA9F-9AD2-B3D2-4BAC-483D4411337D}"/>
+              </a:ext>
+            </a:extLst>
+          </p:cNvPr>
+          <p:cNvSpPr txBox="1"/>
+          <p:nvPr/>
+        </p:nvSpPr>
+        <p:spPr>
+          <a:xfrm>
+            <a:off x="7417406" y="6310874"/>
+            <a:ext cx="1935393" cy="261610"/>
+          </a:xfrm>
+          <a:prstGeom prst="rect">
+            <a:avLst/>
+          </a:prstGeom>
+          <a:noFill/>
+        </p:spPr>
+        <p:txBody>
+          <a:bodyPr wrap="square" rtlCol="0">
+            <a:spAutoFit/>
+          </a:bodyPr>
+          <a:lstStyle/>
+          <a:p>
+            <a:r>
+              <a:rPr lang="de-CH" sz="1100" b="1" dirty="0" err="1"/>
+              <a:t>id_div_layout_save</a:t>
+            </a:r>
+            <a:endParaRPr lang="de-CH" b="1" dirty="0"/>
+          </a:p>
+        </p:txBody>
+      </p:sp>
+      <p:sp>
+        <p:nvSpPr>
+          <p:cNvPr id="35" name="Textfeld 34">
+            <a:extLst>
+              <a:ext uri="{FF2B5EF4-FFF2-40B4-BE49-F238E27FC236}">
+                <a16:creationId xmlns:a16="http://schemas.microsoft.com/office/drawing/2014/main" id="{7B61E776-9520-234C-8390-67B0FE64257D}"/>
+              </a:ext>
+            </a:extLst>
+          </p:cNvPr>
+          <p:cNvSpPr txBox="1"/>
+          <p:nvPr/>
+        </p:nvSpPr>
+        <p:spPr>
+          <a:xfrm>
+            <a:off x="5246529" y="6291587"/>
+            <a:ext cx="1573530" cy="261610"/>
+          </a:xfrm>
+          <a:prstGeom prst="rect">
+            <a:avLst/>
+          </a:prstGeom>
+          <a:noFill/>
+        </p:spPr>
+        <p:txBody>
+          <a:bodyPr wrap="square" rtlCol="0">
+            <a:spAutoFit/>
+          </a:bodyPr>
+          <a:lstStyle/>
+          <a:p>
+            <a:r>
+              <a:rPr lang="de-CH" sz="1100" b="1" dirty="0" err="1"/>
+              <a:t>id_div_layout_cancel</a:t>
+            </a:r>
+            <a:endParaRPr lang="de-CH" b="1" dirty="0"/>
+          </a:p>
+        </p:txBody>
+      </p:sp>
+      <p:sp>
+        <p:nvSpPr>
+          <p:cNvPr id="36" name="Rechteck 35">
+            <a:extLst>
+              <a:ext uri="{FF2B5EF4-FFF2-40B4-BE49-F238E27FC236}">
+                <a16:creationId xmlns:a16="http://schemas.microsoft.com/office/drawing/2014/main" id="{6EAC76C7-839A-0838-B912-C9182DC300A0}"/>
               </a:ext>
             </a:extLst>
           </p:cNvPr>
@@ -5404,14 +5471,14 @@
         </p:nvSpPr>
         <p:spPr>
           <a:xfrm>
-            <a:off x="7446756" y="6404969"/>
-            <a:ext cx="1436746" cy="208775"/>
+            <a:off x="2989813" y="3741336"/>
+            <a:ext cx="6511834" cy="1703196"/>
           </a:xfrm>
           <a:prstGeom prst="rect">
             <a:avLst/>
           </a:prstGeom>
           <a:noFill/>
-          <a:ln w="12700">
+          <a:ln w="19050">
             <a:solidFill>
               <a:schemeClr val="tx1"/>
             </a:solidFill>
@@ -5444,10 +5511,10 @@
       </p:sp>
       <p:sp>
         <p:nvSpPr>
-          <p:cNvPr id="34" name="Textfeld 33">
-            <a:extLst>
-              <a:ext uri="{FF2B5EF4-FFF2-40B4-BE49-F238E27FC236}">
-                <a16:creationId xmlns:a16="http://schemas.microsoft.com/office/drawing/2014/main" id="{CCBBAA9F-9AD2-B3D2-4BAC-483D4411337D}"/>
+          <p:cNvPr id="37" name="Textfeld 36">
+            <a:extLst>
+              <a:ext uri="{FF2B5EF4-FFF2-40B4-BE49-F238E27FC236}">
+                <a16:creationId xmlns:a16="http://schemas.microsoft.com/office/drawing/2014/main" id="{5D0410A5-C4F8-F597-BDBA-DB47DFDC4153}"/>
               </a:ext>
             </a:extLst>
           </p:cNvPr>
@@ -5456,8 +5523,8 @@
         </p:nvSpPr>
         <p:spPr>
           <a:xfrm>
-            <a:off x="7467387" y="6367434"/>
-            <a:ext cx="1825641" cy="261610"/>
+            <a:off x="3007982" y="3767747"/>
+            <a:ext cx="5755238" cy="261610"/>
           </a:xfrm>
           <a:prstGeom prst="rect">
             <a:avLst/>
@@ -5472,7 +5539,31 @@
           <a:p>
             <a:r>
               <a:rPr lang="de-CH" sz="1100" b="1" dirty="0" err="1"/>
-              <a:t>id_div_layout_save</a:t>
+              <a:t>id_div_layout_element_controls</a:t>
+            </a:r>
+            <a:r>
+              <a:rPr lang="de-CH" sz="1100" b="1" dirty="0"/>
+              <a:t> </a:t>
+            </a:r>
+            <a:r>
+              <a:rPr lang="de-CH" sz="1100" b="1" dirty="0" err="1"/>
+              <a:t>cl_div_layout_element_controls</a:t>
+            </a:r>
+            <a:r>
+              <a:rPr lang="de-CH" sz="1100" b="1" dirty="0"/>
+              <a:t>  </a:t>
+            </a:r>
+            <a:r>
+              <a:rPr lang="de-CH" sz="1100" b="1" dirty="0" err="1"/>
+              <a:t>clear</a:t>
+            </a:r>
+            <a:r>
+              <a:rPr lang="de-CH" sz="1100" b="1" dirty="0"/>
+              <a:t> </a:t>
+            </a:r>
+            <a:r>
+              <a:rPr lang="de-CH" sz="1100" b="1" dirty="0" err="1"/>
+              <a:t>both</a:t>
             </a:r>
             <a:endParaRPr lang="de-CH" b="1" dirty="0"/>
           </a:p>
@@ -5480,46 +5571,10 @@
       </p:sp>
       <p:sp>
         <p:nvSpPr>
-          <p:cNvPr id="35" name="Textfeld 34">
-            <a:extLst>
-              <a:ext uri="{FF2B5EF4-FFF2-40B4-BE49-F238E27FC236}">
-                <a16:creationId xmlns:a16="http://schemas.microsoft.com/office/drawing/2014/main" id="{7B61E776-9520-234C-8390-67B0FE64257D}"/>
-              </a:ext>
-            </a:extLst>
-          </p:cNvPr>
-          <p:cNvSpPr txBox="1"/>
-          <p:nvPr/>
-        </p:nvSpPr>
-        <p:spPr>
-          <a:xfrm>
-            <a:off x="5287165" y="6348147"/>
-            <a:ext cx="1484298" cy="261610"/>
-          </a:xfrm>
-          <a:prstGeom prst="rect">
-            <a:avLst/>
-          </a:prstGeom>
-          <a:noFill/>
-        </p:spPr>
-        <p:txBody>
-          <a:bodyPr wrap="square" rtlCol="0">
-            <a:spAutoFit/>
-          </a:bodyPr>
-          <a:lstStyle/>
-          <a:p>
-            <a:r>
-              <a:rPr lang="de-CH" sz="1100" b="1" dirty="0" err="1"/>
-              <a:t>id_div_layout_cancel</a:t>
-            </a:r>
-            <a:endParaRPr lang="de-CH" b="1" dirty="0"/>
-          </a:p>
-        </p:txBody>
-      </p:sp>
-      <p:sp>
-        <p:nvSpPr>
-          <p:cNvPr id="36" name="Rechteck 35">
-            <a:extLst>
-              <a:ext uri="{FF2B5EF4-FFF2-40B4-BE49-F238E27FC236}">
-                <a16:creationId xmlns:a16="http://schemas.microsoft.com/office/drawing/2014/main" id="{6EAC76C7-839A-0838-B912-C9182DC300A0}"/>
+          <p:cNvPr id="38" name="Rechteck 37">
+            <a:extLst>
+              <a:ext uri="{FF2B5EF4-FFF2-40B4-BE49-F238E27FC236}">
+                <a16:creationId xmlns:a16="http://schemas.microsoft.com/office/drawing/2014/main" id="{6EB8CA48-BCD3-1F3A-FF81-488F4A25AFD5}"/>
               </a:ext>
             </a:extLst>
           </p:cNvPr>
@@ -5528,8 +5583,8 @@
         </p:nvSpPr>
         <p:spPr>
           <a:xfrm>
-            <a:off x="3157977" y="3797896"/>
-            <a:ext cx="6142563" cy="2242922"/>
+            <a:off x="2972601" y="2803549"/>
+            <a:ext cx="6511834" cy="261611"/>
           </a:xfrm>
           <a:prstGeom prst="rect">
             <a:avLst/>
@@ -5568,10 +5623,10 @@
       </p:sp>
       <p:sp>
         <p:nvSpPr>
-          <p:cNvPr id="37" name="Textfeld 36">
-            <a:extLst>
-              <a:ext uri="{FF2B5EF4-FFF2-40B4-BE49-F238E27FC236}">
-                <a16:creationId xmlns:a16="http://schemas.microsoft.com/office/drawing/2014/main" id="{5D0410A5-C4F8-F597-BDBA-DB47DFDC4153}"/>
+          <p:cNvPr id="39" name="Textfeld 38">
+            <a:extLst>
+              <a:ext uri="{FF2B5EF4-FFF2-40B4-BE49-F238E27FC236}">
+                <a16:creationId xmlns:a16="http://schemas.microsoft.com/office/drawing/2014/main" id="{973052AD-BD0C-E88D-28FB-8CE31B909603}"/>
               </a:ext>
             </a:extLst>
           </p:cNvPr>
@@ -5580,8 +5635,8 @@
         </p:nvSpPr>
         <p:spPr>
           <a:xfrm>
-            <a:off x="3156608" y="3824307"/>
-            <a:ext cx="5428872" cy="261610"/>
+            <a:off x="2994363" y="2780361"/>
+            <a:ext cx="5616069" cy="261610"/>
           </a:xfrm>
           <a:prstGeom prst="rect">
             <a:avLst/>
@@ -5596,7 +5651,7 @@
           <a:p>
             <a:r>
               <a:rPr lang="de-CH" sz="1100" b="1" dirty="0" err="1"/>
-              <a:t>id_div_layout_element_controls</a:t>
+              <a:t>Id_div_layout_dropdown_rect_tables</a:t>
             </a:r>
             <a:r>
               <a:rPr lang="de-CH" sz="1100" b="1" dirty="0"/>
@@ -5604,34 +5659,22 @@
             </a:r>
             <a:r>
               <a:rPr lang="de-CH" sz="1100" b="1" dirty="0" err="1"/>
-              <a:t>div_layout_element_controls</a:t>
-            </a:r>
-            <a:r>
-              <a:rPr lang="de-CH" sz="1100" b="1" dirty="0"/>
-              <a:t>  </a:t>
-            </a:r>
-            <a:r>
-              <a:rPr lang="de-CH" sz="1100" b="1" dirty="0" err="1"/>
-              <a:t>clear</a:t>
+              <a:t>div_layout_dropdown_rect_tables</a:t>
             </a:r>
             <a:r>
               <a:rPr lang="de-CH" sz="1100" b="1" dirty="0"/>
               <a:t> </a:t>
             </a:r>
-            <a:r>
-              <a:rPr lang="de-CH" sz="1100" b="1" dirty="0" err="1"/>
-              <a:t>both</a:t>
-            </a:r>
             <a:endParaRPr lang="de-CH" b="1" dirty="0"/>
           </a:p>
         </p:txBody>
       </p:sp>
       <p:sp>
         <p:nvSpPr>
-          <p:cNvPr id="38" name="Rechteck 37">
-            <a:extLst>
-              <a:ext uri="{FF2B5EF4-FFF2-40B4-BE49-F238E27FC236}">
-                <a16:creationId xmlns:a16="http://schemas.microsoft.com/office/drawing/2014/main" id="{6EB8CA48-BCD3-1F3A-FF81-488F4A25AFD5}"/>
+          <p:cNvPr id="40" name="Rechteck 39">
+            <a:extLst>
+              <a:ext uri="{FF2B5EF4-FFF2-40B4-BE49-F238E27FC236}">
+                <a16:creationId xmlns:a16="http://schemas.microsoft.com/office/drawing/2014/main" id="{0CD6410F-4A52-79C6-D114-8598A3C22EA9}"/>
               </a:ext>
             </a:extLst>
           </p:cNvPr>
@@ -5640,8 +5683,8 @@
         </p:nvSpPr>
         <p:spPr>
           <a:xfrm>
-            <a:off x="3140765" y="2794120"/>
-            <a:ext cx="6142563" cy="261611"/>
+            <a:off x="2982301" y="3113725"/>
+            <a:ext cx="6511834" cy="261611"/>
           </a:xfrm>
           <a:prstGeom prst="rect">
             <a:avLst/>
@@ -5680,10 +5723,10 @@
       </p:sp>
       <p:sp>
         <p:nvSpPr>
-          <p:cNvPr id="39" name="Textfeld 38">
-            <a:extLst>
-              <a:ext uri="{FF2B5EF4-FFF2-40B4-BE49-F238E27FC236}">
-                <a16:creationId xmlns:a16="http://schemas.microsoft.com/office/drawing/2014/main" id="{973052AD-BD0C-E88D-28FB-8CE31B909603}"/>
+          <p:cNvPr id="41" name="Textfeld 40">
+            <a:extLst>
+              <a:ext uri="{FF2B5EF4-FFF2-40B4-BE49-F238E27FC236}">
+                <a16:creationId xmlns:a16="http://schemas.microsoft.com/office/drawing/2014/main" id="{ED1F9247-CFEF-30C1-B8BE-ACCA338CB4D5}"/>
               </a:ext>
             </a:extLst>
           </p:cNvPr>
@@ -5692,8 +5735,8 @@
         </p:nvSpPr>
         <p:spPr>
           <a:xfrm>
-            <a:off x="3139395" y="2770932"/>
-            <a:ext cx="4333461" cy="261610"/>
+            <a:off x="2996064" y="3090537"/>
+            <a:ext cx="5925785" cy="261610"/>
           </a:xfrm>
           <a:prstGeom prst="rect">
             <a:avLst/>
@@ -5708,30 +5751,30 @@
           <a:p>
             <a:r>
               <a:rPr lang="de-CH" sz="1100" b="1" dirty="0" err="1"/>
-              <a:t>id_layout_dropdown_rect_tables</a:t>
-            </a:r>
-            <a:r>
-              <a:rPr lang="de-CH" sz="1100" b="1" dirty="0"/>
-              <a:t> cl _ </a:t>
-            </a:r>
-            <a:r>
-              <a:rPr lang="de-CH" sz="1100" b="1" dirty="0" err="1"/>
-              <a:t>layout_dropdown_rect_tables</a:t>
+              <a:t>id_div_layout_dropdown_round_tables</a:t>
             </a:r>
             <a:r>
               <a:rPr lang="de-CH" sz="1100" b="1" dirty="0"/>
               <a:t> </a:t>
             </a:r>
+            <a:r>
+              <a:rPr lang="de-CH" sz="1100" b="1" dirty="0" err="1"/>
+              <a:t>cl_div_layout_dropdown_round_tables</a:t>
+            </a:r>
+            <a:r>
+              <a:rPr lang="de-CH" sz="1100" b="1" dirty="0"/>
+              <a:t> </a:t>
+            </a:r>
             <a:endParaRPr lang="de-CH" b="1" dirty="0"/>
           </a:p>
         </p:txBody>
       </p:sp>
       <p:sp>
         <p:nvSpPr>
-          <p:cNvPr id="40" name="Rechteck 39">
-            <a:extLst>
-              <a:ext uri="{FF2B5EF4-FFF2-40B4-BE49-F238E27FC236}">
-                <a16:creationId xmlns:a16="http://schemas.microsoft.com/office/drawing/2014/main" id="{0CD6410F-4A52-79C6-D114-8598A3C22EA9}"/>
+          <p:cNvPr id="42" name="Rechteck 41">
+            <a:extLst>
+              <a:ext uri="{FF2B5EF4-FFF2-40B4-BE49-F238E27FC236}">
+                <a16:creationId xmlns:a16="http://schemas.microsoft.com/office/drawing/2014/main" id="{61F9D0C5-094F-FF61-4058-5CF6A3DDDC61}"/>
               </a:ext>
             </a:extLst>
           </p:cNvPr>
@@ -5740,8 +5783,8 @@
         </p:nvSpPr>
         <p:spPr>
           <a:xfrm>
-            <a:off x="3150465" y="3113723"/>
-            <a:ext cx="6142563" cy="261611"/>
+            <a:off x="2991183" y="3439643"/>
+            <a:ext cx="6511834" cy="261611"/>
           </a:xfrm>
           <a:prstGeom prst="rect">
             <a:avLst/>
@@ -5780,10 +5823,10 @@
       </p:sp>
       <p:sp>
         <p:nvSpPr>
-          <p:cNvPr id="41" name="Textfeld 40">
-            <a:extLst>
-              <a:ext uri="{FF2B5EF4-FFF2-40B4-BE49-F238E27FC236}">
-                <a16:creationId xmlns:a16="http://schemas.microsoft.com/office/drawing/2014/main" id="{ED1F9247-CFEF-30C1-B8BE-ACCA338CB4D5}"/>
+          <p:cNvPr id="43" name="Textfeld 42">
+            <a:extLst>
+              <a:ext uri="{FF2B5EF4-FFF2-40B4-BE49-F238E27FC236}">
+                <a16:creationId xmlns:a16="http://schemas.microsoft.com/office/drawing/2014/main" id="{AD152937-8B3B-4063-FB8C-D845ED82A197}"/>
               </a:ext>
             </a:extLst>
           </p:cNvPr>
@@ -5792,8 +5835,8 @@
         </p:nvSpPr>
         <p:spPr>
           <a:xfrm>
-            <a:off x="3149095" y="3090535"/>
-            <a:ext cx="5102807" cy="261610"/>
+            <a:off x="3018277" y="3416455"/>
+            <a:ext cx="5409572" cy="261610"/>
           </a:xfrm>
           <a:prstGeom prst="rect">
             <a:avLst/>
@@ -5808,15 +5851,15 @@
           <a:p>
             <a:r>
               <a:rPr lang="de-CH" sz="1100" b="1" dirty="0" err="1"/>
-              <a:t>id_layout_dropdown_round_tables</a:t>
+              <a:t>id_div_layout_dropdown_doors</a:t>
             </a:r>
             <a:r>
               <a:rPr lang="de-CH" sz="1100" b="1" dirty="0"/>
-              <a:t> cl _ </a:t>
+              <a:t> cl _</a:t>
             </a:r>
             <a:r>
               <a:rPr lang="de-CH" sz="1100" b="1" dirty="0" err="1"/>
-              <a:t>layout_dropdown_round_tables</a:t>
+              <a:t>div_layout_dropdown_doors</a:t>
             </a:r>
             <a:r>
               <a:rPr lang="de-CH" sz="1100" b="1" dirty="0"/>
@@ -5828,10 +5871,10 @@
       </p:sp>
       <p:sp>
         <p:nvSpPr>
-          <p:cNvPr id="42" name="Rechteck 41">
-            <a:extLst>
-              <a:ext uri="{FF2B5EF4-FFF2-40B4-BE49-F238E27FC236}">
-                <a16:creationId xmlns:a16="http://schemas.microsoft.com/office/drawing/2014/main" id="{61F9D0C5-094F-FF61-4058-5CF6A3DDDC61}"/>
+          <p:cNvPr id="2" name="Rechteck 1">
+            <a:extLst>
+              <a:ext uri="{FF2B5EF4-FFF2-40B4-BE49-F238E27FC236}">
+                <a16:creationId xmlns:a16="http://schemas.microsoft.com/office/drawing/2014/main" id="{9FF7F66D-C537-64ED-38F2-48A56B63C2A0}"/>
               </a:ext>
             </a:extLst>
           </p:cNvPr>
@@ -5840,8 +5883,8 @@
         </p:nvSpPr>
         <p:spPr>
           <a:xfrm>
-            <a:off x="3159347" y="3467922"/>
-            <a:ext cx="6142563" cy="261611"/>
+            <a:off x="2980319" y="5494481"/>
+            <a:ext cx="6503869" cy="518531"/>
           </a:xfrm>
           <a:prstGeom prst="rect">
             <a:avLst/>
@@ -5880,10 +5923,10 @@
       </p:sp>
       <p:sp>
         <p:nvSpPr>
-          <p:cNvPr id="43" name="Textfeld 42">
-            <a:extLst>
-              <a:ext uri="{FF2B5EF4-FFF2-40B4-BE49-F238E27FC236}">
-                <a16:creationId xmlns:a16="http://schemas.microsoft.com/office/drawing/2014/main" id="{AD152937-8B3B-4063-FB8C-D845ED82A197}"/>
+          <p:cNvPr id="3" name="Textfeld 2">
+            <a:extLst>
+              <a:ext uri="{FF2B5EF4-FFF2-40B4-BE49-F238E27FC236}">
+                <a16:creationId xmlns:a16="http://schemas.microsoft.com/office/drawing/2014/main" id="{5A8A7137-8E44-28D3-9614-6877D54E31BC}"/>
               </a:ext>
             </a:extLst>
           </p:cNvPr>
@@ -5892,8 +5935,8 @@
         </p:nvSpPr>
         <p:spPr>
           <a:xfrm>
-            <a:off x="3157977" y="3444734"/>
-            <a:ext cx="5102807" cy="261610"/>
+            <a:off x="3226239" y="5471293"/>
+            <a:ext cx="4593974" cy="261610"/>
           </a:xfrm>
           <a:prstGeom prst="rect">
             <a:avLst/>
@@ -5908,19 +5951,223 @@
           <a:p>
             <a:r>
               <a:rPr lang="de-CH" sz="1100" b="1" dirty="0" err="1"/>
-              <a:t>id_layout_dropdown_doors</a:t>
-            </a:r>
-            <a:r>
-              <a:rPr lang="de-CH" sz="1100" b="1" dirty="0"/>
-              <a:t> cl _ </a:t>
-            </a:r>
-            <a:r>
-              <a:rPr lang="de-CH" sz="1100" b="1" dirty="0" err="1"/>
-              <a:t>layout_dropdown_doors</a:t>
+              <a:t>id_div_layout_execution_row</a:t>
             </a:r>
             <a:r>
               <a:rPr lang="de-CH" sz="1100" b="1" dirty="0"/>
               <a:t> </a:t>
+            </a:r>
+            <a:r>
+              <a:rPr lang="de-CH" sz="1100" b="1" dirty="0" err="1"/>
+              <a:t>cl_div_layout_execution_row</a:t>
+            </a:r>
+            <a:r>
+              <a:rPr lang="de-CH" sz="1100" b="1" dirty="0"/>
+              <a:t>  </a:t>
+            </a:r>
+            <a:r>
+              <a:rPr lang="de-CH" sz="1100" b="1" dirty="0" err="1"/>
+              <a:t>clear</a:t>
+            </a:r>
+            <a:r>
+              <a:rPr lang="de-CH" sz="1100" b="1" dirty="0"/>
+              <a:t> </a:t>
+            </a:r>
+            <a:r>
+              <a:rPr lang="de-CH" sz="1100" b="1" dirty="0" err="1"/>
+              <a:t>both</a:t>
+            </a:r>
+            <a:endParaRPr lang="de-CH" b="1" dirty="0"/>
+          </a:p>
+        </p:txBody>
+      </p:sp>
+      <p:sp>
+        <p:nvSpPr>
+          <p:cNvPr id="14" name="Rechteck 13">
+            <a:extLst>
+              <a:ext uri="{FF2B5EF4-FFF2-40B4-BE49-F238E27FC236}">
+                <a16:creationId xmlns:a16="http://schemas.microsoft.com/office/drawing/2014/main" id="{034DDA54-B41F-3FA3-753C-0CF5E43E1E32}"/>
+              </a:ext>
+            </a:extLst>
+          </p:cNvPr>
+          <p:cNvSpPr/>
+          <p:nvPr/>
+        </p:nvSpPr>
+        <p:spPr>
+          <a:xfrm>
+            <a:off x="3418828" y="5744825"/>
+            <a:ext cx="1248534" cy="237807"/>
+          </a:xfrm>
+          <a:prstGeom prst="rect">
+            <a:avLst/>
+          </a:prstGeom>
+          <a:noFill/>
+          <a:ln w="12700">
+            <a:solidFill>
+              <a:schemeClr val="tx1"/>
+            </a:solidFill>
+          </a:ln>
+        </p:spPr>
+        <p:style>
+          <a:lnRef idx="2">
+            <a:schemeClr val="accent1">
+              <a:shade val="50000"/>
+            </a:schemeClr>
+          </a:lnRef>
+          <a:fillRef idx="1">
+            <a:schemeClr val="accent1"/>
+          </a:fillRef>
+          <a:effectRef idx="0">
+            <a:schemeClr val="accent1"/>
+          </a:effectRef>
+          <a:fontRef idx="minor">
+            <a:schemeClr val="lt1"/>
+          </a:fontRef>
+        </p:style>
+        <p:txBody>
+          <a:bodyPr rtlCol="0" anchor="ctr"/>
+          <a:lstStyle/>
+          <a:p>
+            <a:pPr algn="ctr"/>
+            <a:endParaRPr lang="de-CH" dirty="0"/>
+          </a:p>
+        </p:txBody>
+      </p:sp>
+      <p:sp>
+        <p:nvSpPr>
+          <p:cNvPr id="44" name="Rechteck 43">
+            <a:extLst>
+              <a:ext uri="{FF2B5EF4-FFF2-40B4-BE49-F238E27FC236}">
+                <a16:creationId xmlns:a16="http://schemas.microsoft.com/office/drawing/2014/main" id="{F574A0BC-B6CD-7B1B-D350-E078DE2E9001}"/>
+              </a:ext>
+            </a:extLst>
+          </p:cNvPr>
+          <p:cNvSpPr/>
+          <p:nvPr/>
+        </p:nvSpPr>
+        <p:spPr>
+          <a:xfrm>
+            <a:off x="5236925" y="5756091"/>
+            <a:ext cx="1569852" cy="218931"/>
+          </a:xfrm>
+          <a:prstGeom prst="rect">
+            <a:avLst/>
+          </a:prstGeom>
+          <a:noFill/>
+          <a:ln w="12700">
+            <a:solidFill>
+              <a:schemeClr val="tx1"/>
+            </a:solidFill>
+          </a:ln>
+        </p:spPr>
+        <p:style>
+          <a:lnRef idx="2">
+            <a:schemeClr val="accent1">
+              <a:shade val="50000"/>
+            </a:schemeClr>
+          </a:lnRef>
+          <a:fillRef idx="1">
+            <a:schemeClr val="accent1"/>
+          </a:fillRef>
+          <a:effectRef idx="0">
+            <a:schemeClr val="accent1"/>
+          </a:effectRef>
+          <a:fontRef idx="minor">
+            <a:schemeClr val="lt1"/>
+          </a:fontRef>
+        </p:style>
+        <p:txBody>
+          <a:bodyPr rtlCol="0" anchor="ctr"/>
+          <a:lstStyle/>
+          <a:p>
+            <a:pPr algn="ctr"/>
+            <a:endParaRPr lang="de-CH" dirty="0"/>
+          </a:p>
+        </p:txBody>
+      </p:sp>
+      <p:sp>
+        <p:nvSpPr>
+          <p:cNvPr id="45" name="Rechteck 44">
+            <a:extLst>
+              <a:ext uri="{FF2B5EF4-FFF2-40B4-BE49-F238E27FC236}">
+                <a16:creationId xmlns:a16="http://schemas.microsoft.com/office/drawing/2014/main" id="{A62BFB58-2BC5-434D-83F1-A339BC388262}"/>
+              </a:ext>
+            </a:extLst>
+          </p:cNvPr>
+          <p:cNvSpPr/>
+          <p:nvPr/>
+        </p:nvSpPr>
+        <p:spPr>
+          <a:xfrm>
+            <a:off x="7397721" y="5756091"/>
+            <a:ext cx="1523119" cy="208775"/>
+          </a:xfrm>
+          <a:prstGeom prst="rect">
+            <a:avLst/>
+          </a:prstGeom>
+          <a:noFill/>
+          <a:ln w="12700">
+            <a:solidFill>
+              <a:schemeClr val="tx1"/>
+            </a:solidFill>
+          </a:ln>
+        </p:spPr>
+        <p:style>
+          <a:lnRef idx="2">
+            <a:schemeClr val="accent1">
+              <a:shade val="50000"/>
+            </a:schemeClr>
+          </a:lnRef>
+          <a:fillRef idx="1">
+            <a:schemeClr val="accent1"/>
+          </a:fillRef>
+          <a:effectRef idx="0">
+            <a:schemeClr val="accent1"/>
+          </a:effectRef>
+          <a:fontRef idx="minor">
+            <a:schemeClr val="lt1"/>
+          </a:fontRef>
+        </p:style>
+        <p:txBody>
+          <a:bodyPr rtlCol="0" anchor="ctr"/>
+          <a:lstStyle/>
+          <a:p>
+            <a:pPr algn="ctr"/>
+            <a:endParaRPr lang="de-CH" dirty="0"/>
+          </a:p>
+        </p:txBody>
+      </p:sp>
+      <p:sp>
+        <p:nvSpPr>
+          <p:cNvPr id="47" name="Textfeld 46">
+            <a:extLst>
+              <a:ext uri="{FF2B5EF4-FFF2-40B4-BE49-F238E27FC236}">
+                <a16:creationId xmlns:a16="http://schemas.microsoft.com/office/drawing/2014/main" id="{60518486-C568-1BA8-5F58-E670737AC37B}"/>
+              </a:ext>
+            </a:extLst>
+          </p:cNvPr>
+          <p:cNvSpPr txBox="1"/>
+          <p:nvPr/>
+        </p:nvSpPr>
+        <p:spPr>
+          <a:xfrm>
+            <a:off x="5236829" y="5699269"/>
+            <a:ext cx="1573530" cy="261610"/>
+          </a:xfrm>
+          <a:prstGeom prst="rect">
+            <a:avLst/>
+          </a:prstGeom>
+          <a:noFill/>
+        </p:spPr>
+        <p:txBody>
+          <a:bodyPr wrap="square" rtlCol="0">
+            <a:spAutoFit/>
+          </a:bodyPr>
+          <a:lstStyle/>
+          <a:p>
+            <a:r>
+              <a:rPr lang="de-CH" sz="1100" b="1" dirty="0" err="1"/>
+              <a:t>id_div_layout_upload</a:t>
             </a:r>
             <a:endParaRPr lang="de-CH" b="1" dirty="0"/>
           </a:p>
@@ -5956,6 +6203,1501 @@
           <a:chExt cx="0" cy="0"/>
         </a:xfrm>
       </p:grpSpPr>
+      <p:cxnSp>
+        <p:nvCxnSpPr>
+          <p:cNvPr id="40" name="Gerader Verbinder 39">
+            <a:extLst>
+              <a:ext uri="{FF2B5EF4-FFF2-40B4-BE49-F238E27FC236}">
+                <a16:creationId xmlns:a16="http://schemas.microsoft.com/office/drawing/2014/main" id="{347AEC8D-0677-6C46-CA8A-A7BCA61D56EA}"/>
+              </a:ext>
+            </a:extLst>
+          </p:cNvPr>
+          <p:cNvCxnSpPr>
+            <a:cxnSpLocks/>
+          </p:cNvCxnSpPr>
+          <p:nvPr/>
+        </p:nvCxnSpPr>
+        <p:spPr>
+          <a:xfrm flipV="1">
+            <a:off x="2202843" y="1414092"/>
+            <a:ext cx="0" cy="549501"/>
+          </a:xfrm>
+          <a:prstGeom prst="line">
+            <a:avLst/>
+          </a:prstGeom>
+        </p:spPr>
+        <p:style>
+          <a:lnRef idx="1">
+            <a:schemeClr val="accent1"/>
+          </a:lnRef>
+          <a:fillRef idx="0">
+            <a:schemeClr val="accent1"/>
+          </a:fillRef>
+          <a:effectRef idx="0">
+            <a:schemeClr val="accent1"/>
+          </a:effectRef>
+          <a:fontRef idx="minor">
+            <a:schemeClr val="tx1"/>
+          </a:fontRef>
+        </p:style>
+      </p:cxnSp>
+      <p:cxnSp>
+        <p:nvCxnSpPr>
+          <p:cNvPr id="33" name="Gerader Verbinder 32">
+            <a:extLst>
+              <a:ext uri="{FF2B5EF4-FFF2-40B4-BE49-F238E27FC236}">
+                <a16:creationId xmlns:a16="http://schemas.microsoft.com/office/drawing/2014/main" id="{597C415C-8451-46A5-ED1B-E4B0BE54CB7B}"/>
+              </a:ext>
+            </a:extLst>
+          </p:cNvPr>
+          <p:cNvCxnSpPr>
+            <a:cxnSpLocks/>
+          </p:cNvCxnSpPr>
+          <p:nvPr/>
+        </p:nvCxnSpPr>
+        <p:spPr>
+          <a:xfrm flipV="1">
+            <a:off x="3870434" y="616209"/>
+            <a:ext cx="0" cy="166815"/>
+          </a:xfrm>
+          <a:prstGeom prst="line">
+            <a:avLst/>
+          </a:prstGeom>
+        </p:spPr>
+        <p:style>
+          <a:lnRef idx="1">
+            <a:schemeClr val="accent1"/>
+          </a:lnRef>
+          <a:fillRef idx="0">
+            <a:schemeClr val="accent1"/>
+          </a:fillRef>
+          <a:effectRef idx="0">
+            <a:schemeClr val="accent1"/>
+          </a:effectRef>
+          <a:fontRef idx="minor">
+            <a:schemeClr val="tx1"/>
+          </a:fontRef>
+        </p:style>
+      </p:cxnSp>
+      <p:cxnSp>
+        <p:nvCxnSpPr>
+          <p:cNvPr id="34" name="Gerader Verbinder 33">
+            <a:extLst>
+              <a:ext uri="{FF2B5EF4-FFF2-40B4-BE49-F238E27FC236}">
+                <a16:creationId xmlns:a16="http://schemas.microsoft.com/office/drawing/2014/main" id="{6D450FB2-3A4E-6846-5FE5-A522AF2B2F04}"/>
+              </a:ext>
+            </a:extLst>
+          </p:cNvPr>
+          <p:cNvCxnSpPr>
+            <a:cxnSpLocks/>
+          </p:cNvCxnSpPr>
+          <p:nvPr/>
+        </p:nvCxnSpPr>
+        <p:spPr>
+          <a:xfrm flipV="1">
+            <a:off x="1785033" y="1403772"/>
+            <a:ext cx="0" cy="166815"/>
+          </a:xfrm>
+          <a:prstGeom prst="line">
+            <a:avLst/>
+          </a:prstGeom>
+        </p:spPr>
+        <p:style>
+          <a:lnRef idx="1">
+            <a:schemeClr val="accent1"/>
+          </a:lnRef>
+          <a:fillRef idx="0">
+            <a:schemeClr val="accent1"/>
+          </a:fillRef>
+          <a:effectRef idx="0">
+            <a:schemeClr val="accent1"/>
+          </a:effectRef>
+          <a:fontRef idx="minor">
+            <a:schemeClr val="tx1"/>
+          </a:fontRef>
+        </p:style>
+      </p:cxnSp>
+      <p:cxnSp>
+        <p:nvCxnSpPr>
+          <p:cNvPr id="35" name="Gerader Verbinder 34">
+            <a:extLst>
+              <a:ext uri="{FF2B5EF4-FFF2-40B4-BE49-F238E27FC236}">
+                <a16:creationId xmlns:a16="http://schemas.microsoft.com/office/drawing/2014/main" id="{D6D53E08-4A06-206C-72B8-69D0633BD311}"/>
+              </a:ext>
+            </a:extLst>
+          </p:cNvPr>
+          <p:cNvCxnSpPr>
+            <a:cxnSpLocks/>
+          </p:cNvCxnSpPr>
+          <p:nvPr/>
+        </p:nvCxnSpPr>
+        <p:spPr>
+          <a:xfrm>
+            <a:off x="1780049" y="1403466"/>
+            <a:ext cx="4556873" cy="10627"/>
+          </a:xfrm>
+          <a:prstGeom prst="line">
+            <a:avLst/>
+          </a:prstGeom>
+        </p:spPr>
+        <p:style>
+          <a:lnRef idx="1">
+            <a:schemeClr val="accent1"/>
+          </a:lnRef>
+          <a:fillRef idx="0">
+            <a:schemeClr val="accent1"/>
+          </a:fillRef>
+          <a:effectRef idx="0">
+            <a:schemeClr val="accent1"/>
+          </a:effectRef>
+          <a:fontRef idx="minor">
+            <a:schemeClr val="tx1"/>
+          </a:fontRef>
+        </p:style>
+      </p:cxnSp>
+      <p:sp>
+        <p:nvSpPr>
+          <p:cNvPr id="36" name="Rechteck 35">
+            <a:extLst>
+              <a:ext uri="{FF2B5EF4-FFF2-40B4-BE49-F238E27FC236}">
+                <a16:creationId xmlns:a16="http://schemas.microsoft.com/office/drawing/2014/main" id="{756D22FF-E6E4-B168-A521-F6326B757BBA}"/>
+              </a:ext>
+            </a:extLst>
+          </p:cNvPr>
+          <p:cNvSpPr/>
+          <p:nvPr/>
+        </p:nvSpPr>
+        <p:spPr>
+          <a:xfrm>
+            <a:off x="4398053" y="1580908"/>
+            <a:ext cx="798492" cy="273141"/>
+          </a:xfrm>
+          <a:prstGeom prst="rect">
+            <a:avLst/>
+          </a:prstGeom>
+          <a:solidFill>
+            <a:srgbClr val="FFFF00"/>
+          </a:solidFill>
+          <a:ln>
+            <a:solidFill>
+              <a:schemeClr val="tx1"/>
+            </a:solidFill>
+          </a:ln>
+        </p:spPr>
+        <p:style>
+          <a:lnRef idx="2">
+            <a:schemeClr val="accent1">
+              <a:shade val="50000"/>
+            </a:schemeClr>
+          </a:lnRef>
+          <a:fillRef idx="1">
+            <a:schemeClr val="accent1"/>
+          </a:fillRef>
+          <a:effectRef idx="0">
+            <a:schemeClr val="accent1"/>
+          </a:effectRef>
+          <a:fontRef idx="minor">
+            <a:schemeClr val="lt1"/>
+          </a:fontRef>
+        </p:style>
+        <p:txBody>
+          <a:bodyPr rtlCol="0" anchor="ctr"/>
+          <a:lstStyle/>
+          <a:p>
+            <a:pPr algn="ctr"/>
+            <a:r>
+              <a:rPr lang="de-CH" sz="1000" b="1" dirty="0">
+                <a:solidFill>
+                  <a:schemeClr val="tx1"/>
+                </a:solidFill>
+                <a:latin typeface="Arial" panose="020B0604020202020204" pitchFamily="34" charset="0"/>
+                <a:cs typeface="Arial" panose="020B0604020202020204" pitchFamily="34" charset="0"/>
+              </a:rPr>
+              <a:t>Styles</a:t>
+            </a:r>
+          </a:p>
+        </p:txBody>
+      </p:sp>
+      <p:sp>
+        <p:nvSpPr>
+          <p:cNvPr id="37" name="Rechteck 36">
+            <a:extLst>
+              <a:ext uri="{FF2B5EF4-FFF2-40B4-BE49-F238E27FC236}">
+                <a16:creationId xmlns:a16="http://schemas.microsoft.com/office/drawing/2014/main" id="{0AE5FA34-AAD9-CCAB-8333-F3AA5DCEA76F}"/>
+              </a:ext>
+            </a:extLst>
+          </p:cNvPr>
+          <p:cNvSpPr/>
+          <p:nvPr/>
+        </p:nvSpPr>
+        <p:spPr>
+          <a:xfrm>
+            <a:off x="3248621" y="343067"/>
+            <a:ext cx="1484181" cy="273141"/>
+          </a:xfrm>
+          <a:prstGeom prst="rect">
+            <a:avLst/>
+          </a:prstGeom>
+          <a:solidFill>
+            <a:srgbClr val="FFFF00"/>
+          </a:solidFill>
+          <a:ln>
+            <a:solidFill>
+              <a:schemeClr val="tx1"/>
+            </a:solidFill>
+          </a:ln>
+        </p:spPr>
+        <p:style>
+          <a:lnRef idx="2">
+            <a:schemeClr val="accent1">
+              <a:shade val="50000"/>
+            </a:schemeClr>
+          </a:lnRef>
+          <a:fillRef idx="1">
+            <a:schemeClr val="accent1"/>
+          </a:fillRef>
+          <a:effectRef idx="0">
+            <a:schemeClr val="accent1"/>
+          </a:effectRef>
+          <a:fontRef idx="minor">
+            <a:schemeClr val="lt1"/>
+          </a:fontRef>
+        </p:style>
+        <p:txBody>
+          <a:bodyPr rtlCol="0" anchor="ctr"/>
+          <a:lstStyle/>
+          <a:p>
+            <a:pPr algn="ctr"/>
+            <a:r>
+              <a:rPr lang="de-CH" sz="1000" b="1" dirty="0" err="1">
+                <a:solidFill>
+                  <a:schemeClr val="tx1"/>
+                </a:solidFill>
+                <a:latin typeface="Arial" panose="020B0604020202020204" pitchFamily="34" charset="0"/>
+                <a:cs typeface="Arial" panose="020B0604020202020204" pitchFamily="34" charset="0"/>
+              </a:rPr>
+              <a:t>WwwReservation</a:t>
+            </a:r>
+            <a:r>
+              <a:rPr lang="de-CH" sz="1000" b="1" dirty="0">
+                <a:solidFill>
+                  <a:schemeClr val="tx1"/>
+                </a:solidFill>
+                <a:latin typeface="Arial" panose="020B0604020202020204" pitchFamily="34" charset="0"/>
+                <a:cs typeface="Arial" panose="020B0604020202020204" pitchFamily="34" charset="0"/>
+              </a:rPr>
+              <a:t> </a:t>
+            </a:r>
+          </a:p>
+        </p:txBody>
+      </p:sp>
+      <p:sp>
+        <p:nvSpPr>
+          <p:cNvPr id="38" name="Flussdiagramm: Karte 37">
+            <a:extLst>
+              <a:ext uri="{FF2B5EF4-FFF2-40B4-BE49-F238E27FC236}">
+                <a16:creationId xmlns:a16="http://schemas.microsoft.com/office/drawing/2014/main" id="{9D5883C6-94F5-03FC-B663-0BBC4F68972B}"/>
+              </a:ext>
+            </a:extLst>
+          </p:cNvPr>
+          <p:cNvSpPr/>
+          <p:nvPr/>
+        </p:nvSpPr>
+        <p:spPr>
+          <a:xfrm>
+            <a:off x="937124" y="1575472"/>
+            <a:ext cx="1602804" cy="296211"/>
+          </a:xfrm>
+          <a:prstGeom prst="flowChartPunchedCard">
+            <a:avLst/>
+          </a:prstGeom>
+          <a:solidFill>
+            <a:srgbClr val="FFFF00"/>
+          </a:solidFill>
+          <a:ln>
+            <a:solidFill>
+              <a:schemeClr val="tx1"/>
+            </a:solidFill>
+          </a:ln>
+        </p:spPr>
+        <p:style>
+          <a:lnRef idx="2">
+            <a:schemeClr val="accent1">
+              <a:shade val="50000"/>
+            </a:schemeClr>
+          </a:lnRef>
+          <a:fillRef idx="1">
+            <a:schemeClr val="accent1"/>
+          </a:fillRef>
+          <a:effectRef idx="0">
+            <a:schemeClr val="accent1"/>
+          </a:effectRef>
+          <a:fontRef idx="minor">
+            <a:schemeClr val="lt1"/>
+          </a:fontRef>
+        </p:style>
+        <p:txBody>
+          <a:bodyPr rtlCol="0" anchor="ctr"/>
+          <a:lstStyle/>
+          <a:p>
+            <a:pPr algn="ctr"/>
+            <a:r>
+              <a:rPr lang="de-CH" sz="1000" b="1" dirty="0">
+                <a:solidFill>
+                  <a:schemeClr val="tx1"/>
+                </a:solidFill>
+                <a:latin typeface="Arial" panose="020B0604020202020204" pitchFamily="34" charset="0"/>
+                <a:cs typeface="Arial" panose="020B0604020202020204" pitchFamily="34" charset="0"/>
+              </a:rPr>
+              <a:t>ReservationLayout.htm</a:t>
+            </a:r>
+          </a:p>
+        </p:txBody>
+      </p:sp>
+      <p:sp>
+        <p:nvSpPr>
+          <p:cNvPr id="39" name="Rechteck 38">
+            <a:extLst>
+              <a:ext uri="{FF2B5EF4-FFF2-40B4-BE49-F238E27FC236}">
+                <a16:creationId xmlns:a16="http://schemas.microsoft.com/office/drawing/2014/main" id="{36B0ECF1-304E-6207-17BD-0CD69CE22F8F}"/>
+              </a:ext>
+            </a:extLst>
+          </p:cNvPr>
+          <p:cNvSpPr/>
+          <p:nvPr/>
+        </p:nvSpPr>
+        <p:spPr>
+          <a:xfrm>
+            <a:off x="5282947" y="1587047"/>
+            <a:ext cx="639615" cy="273141"/>
+          </a:xfrm>
+          <a:prstGeom prst="rect">
+            <a:avLst/>
+          </a:prstGeom>
+          <a:solidFill>
+            <a:srgbClr val="FFFF00"/>
+          </a:solidFill>
+          <a:ln>
+            <a:solidFill>
+              <a:schemeClr val="tx1"/>
+            </a:solidFill>
+          </a:ln>
+        </p:spPr>
+        <p:style>
+          <a:lnRef idx="2">
+            <a:schemeClr val="accent1">
+              <a:shade val="50000"/>
+            </a:schemeClr>
+          </a:lnRef>
+          <a:fillRef idx="1">
+            <a:schemeClr val="accent1"/>
+          </a:fillRef>
+          <a:effectRef idx="0">
+            <a:schemeClr val="accent1"/>
+          </a:effectRef>
+          <a:fontRef idx="minor">
+            <a:schemeClr val="lt1"/>
+          </a:fontRef>
+        </p:style>
+        <p:txBody>
+          <a:bodyPr rtlCol="0" anchor="ctr"/>
+          <a:lstStyle/>
+          <a:p>
+            <a:pPr algn="ctr"/>
+            <a:r>
+              <a:rPr lang="de-CH" sz="1000" b="1" dirty="0">
+                <a:solidFill>
+                  <a:schemeClr val="tx1"/>
+                </a:solidFill>
+                <a:latin typeface="Arial" panose="020B0604020202020204" pitchFamily="34" charset="0"/>
+                <a:cs typeface="Arial" panose="020B0604020202020204" pitchFamily="34" charset="0"/>
+              </a:rPr>
+              <a:t>Scripts</a:t>
+            </a:r>
+          </a:p>
+        </p:txBody>
+      </p:sp>
+      <p:cxnSp>
+        <p:nvCxnSpPr>
+          <p:cNvPr id="41" name="Gerader Verbinder 40">
+            <a:extLst>
+              <a:ext uri="{FF2B5EF4-FFF2-40B4-BE49-F238E27FC236}">
+                <a16:creationId xmlns:a16="http://schemas.microsoft.com/office/drawing/2014/main" id="{38AAAC68-2551-0125-42EE-550FB63F7505}"/>
+              </a:ext>
+            </a:extLst>
+          </p:cNvPr>
+          <p:cNvCxnSpPr>
+            <a:cxnSpLocks/>
+          </p:cNvCxnSpPr>
+          <p:nvPr/>
+        </p:nvCxnSpPr>
+        <p:spPr>
+          <a:xfrm flipV="1">
+            <a:off x="4804969" y="1396649"/>
+            <a:ext cx="0" cy="166815"/>
+          </a:xfrm>
+          <a:prstGeom prst="line">
+            <a:avLst/>
+          </a:prstGeom>
+        </p:spPr>
+        <p:style>
+          <a:lnRef idx="1">
+            <a:schemeClr val="accent1"/>
+          </a:lnRef>
+          <a:fillRef idx="0">
+            <a:schemeClr val="accent1"/>
+          </a:fillRef>
+          <a:effectRef idx="0">
+            <a:schemeClr val="accent1"/>
+          </a:effectRef>
+          <a:fontRef idx="minor">
+            <a:schemeClr val="tx1"/>
+          </a:fontRef>
+        </p:style>
+      </p:cxnSp>
+      <p:cxnSp>
+        <p:nvCxnSpPr>
+          <p:cNvPr id="42" name="Gerader Verbinder 41">
+            <a:extLst>
+              <a:ext uri="{FF2B5EF4-FFF2-40B4-BE49-F238E27FC236}">
+                <a16:creationId xmlns:a16="http://schemas.microsoft.com/office/drawing/2014/main" id="{344C73F8-833B-4CE4-7725-99584EDC6AF7}"/>
+              </a:ext>
+            </a:extLst>
+          </p:cNvPr>
+          <p:cNvCxnSpPr>
+            <a:cxnSpLocks/>
+          </p:cNvCxnSpPr>
+          <p:nvPr/>
+        </p:nvCxnSpPr>
+        <p:spPr>
+          <a:xfrm flipV="1">
+            <a:off x="5622219" y="1403787"/>
+            <a:ext cx="0" cy="166815"/>
+          </a:xfrm>
+          <a:prstGeom prst="line">
+            <a:avLst/>
+          </a:prstGeom>
+        </p:spPr>
+        <p:style>
+          <a:lnRef idx="1">
+            <a:schemeClr val="accent1"/>
+          </a:lnRef>
+          <a:fillRef idx="0">
+            <a:schemeClr val="accent1"/>
+          </a:fillRef>
+          <a:effectRef idx="0">
+            <a:schemeClr val="accent1"/>
+          </a:effectRef>
+          <a:fontRef idx="minor">
+            <a:schemeClr val="tx1"/>
+          </a:fontRef>
+        </p:style>
+      </p:cxnSp>
+      <p:sp>
+        <p:nvSpPr>
+          <p:cNvPr id="44" name="Flussdiagramm: Karte 43">
+            <a:extLst>
+              <a:ext uri="{FF2B5EF4-FFF2-40B4-BE49-F238E27FC236}">
+                <a16:creationId xmlns:a16="http://schemas.microsoft.com/office/drawing/2014/main" id="{694B3935-953F-8AE0-4B68-64441F150C91}"/>
+              </a:ext>
+            </a:extLst>
+          </p:cNvPr>
+          <p:cNvSpPr/>
+          <p:nvPr/>
+        </p:nvSpPr>
+        <p:spPr>
+          <a:xfrm>
+            <a:off x="1089979" y="1963593"/>
+            <a:ext cx="1696288" cy="296211"/>
+          </a:xfrm>
+          <a:prstGeom prst="flowChartPunchedCard">
+            <a:avLst/>
+          </a:prstGeom>
+          <a:solidFill>
+            <a:srgbClr val="FFFF00"/>
+          </a:solidFill>
+          <a:ln>
+            <a:solidFill>
+              <a:schemeClr val="tx1"/>
+            </a:solidFill>
+          </a:ln>
+        </p:spPr>
+        <p:style>
+          <a:lnRef idx="2">
+            <a:schemeClr val="accent1">
+              <a:shade val="50000"/>
+            </a:schemeClr>
+          </a:lnRef>
+          <a:fillRef idx="1">
+            <a:schemeClr val="accent1"/>
+          </a:fillRef>
+          <a:effectRef idx="0">
+            <a:schemeClr val="accent1"/>
+          </a:effectRef>
+          <a:fontRef idx="minor">
+            <a:schemeClr val="lt1"/>
+          </a:fontRef>
+        </p:style>
+        <p:txBody>
+          <a:bodyPr rtlCol="0" anchor="ctr"/>
+          <a:lstStyle/>
+          <a:p>
+            <a:pPr algn="ctr"/>
+            <a:r>
+              <a:rPr lang="de-CH" sz="1000" b="1" dirty="0">
+                <a:solidFill>
+                  <a:schemeClr val="tx1"/>
+                </a:solidFill>
+                <a:latin typeface="Arial" panose="020B0604020202020204" pitchFamily="34" charset="0"/>
+                <a:cs typeface="Arial" panose="020B0604020202020204" pitchFamily="34" charset="0"/>
+              </a:rPr>
+              <a:t>ReservationSeason.htm</a:t>
+            </a:r>
+          </a:p>
+        </p:txBody>
+      </p:sp>
+      <p:sp>
+        <p:nvSpPr>
+          <p:cNvPr id="49" name="Rechteck 48">
+            <a:extLst>
+              <a:ext uri="{FF2B5EF4-FFF2-40B4-BE49-F238E27FC236}">
+                <a16:creationId xmlns:a16="http://schemas.microsoft.com/office/drawing/2014/main" id="{AA59FFC5-6ABB-C4B6-6030-2AF211B03896}"/>
+              </a:ext>
+            </a:extLst>
+          </p:cNvPr>
+          <p:cNvSpPr/>
+          <p:nvPr/>
+        </p:nvSpPr>
+        <p:spPr>
+          <a:xfrm>
+            <a:off x="3248906" y="938130"/>
+            <a:ext cx="1256792" cy="273141"/>
+          </a:xfrm>
+          <a:prstGeom prst="rect">
+            <a:avLst/>
+          </a:prstGeom>
+          <a:solidFill>
+            <a:srgbClr val="FFFF00"/>
+          </a:solidFill>
+          <a:ln>
+            <a:solidFill>
+              <a:schemeClr val="tx1"/>
+            </a:solidFill>
+          </a:ln>
+        </p:spPr>
+        <p:style>
+          <a:lnRef idx="2">
+            <a:schemeClr val="accent1">
+              <a:shade val="50000"/>
+            </a:schemeClr>
+          </a:lnRef>
+          <a:fillRef idx="1">
+            <a:schemeClr val="accent1"/>
+          </a:fillRef>
+          <a:effectRef idx="0">
+            <a:schemeClr val="accent1"/>
+          </a:effectRef>
+          <a:fontRef idx="minor">
+            <a:schemeClr val="lt1"/>
+          </a:fontRef>
+        </p:style>
+        <p:txBody>
+          <a:bodyPr rtlCol="0" anchor="ctr"/>
+          <a:lstStyle/>
+          <a:p>
+            <a:pPr algn="ctr"/>
+            <a:r>
+              <a:rPr lang="de-CH" sz="1000" b="1" dirty="0">
+                <a:solidFill>
+                  <a:schemeClr val="tx1"/>
+                </a:solidFill>
+                <a:latin typeface="Arial" panose="020B0604020202020204" pitchFamily="34" charset="0"/>
+                <a:cs typeface="Arial" panose="020B0604020202020204" pitchFamily="34" charset="0"/>
+              </a:rPr>
+              <a:t>Layout</a:t>
+            </a:r>
+          </a:p>
+        </p:txBody>
+      </p:sp>
+      <p:cxnSp>
+        <p:nvCxnSpPr>
+          <p:cNvPr id="50" name="Gerader Verbinder 49">
+            <a:extLst>
+              <a:ext uri="{FF2B5EF4-FFF2-40B4-BE49-F238E27FC236}">
+                <a16:creationId xmlns:a16="http://schemas.microsoft.com/office/drawing/2014/main" id="{4AC2F005-4A15-133F-192F-D76DCD9B3E55}"/>
+              </a:ext>
+            </a:extLst>
+          </p:cNvPr>
+          <p:cNvCxnSpPr>
+            <a:cxnSpLocks/>
+          </p:cNvCxnSpPr>
+          <p:nvPr/>
+        </p:nvCxnSpPr>
+        <p:spPr>
+          <a:xfrm>
+            <a:off x="2154621" y="769884"/>
+            <a:ext cx="3835461" cy="33079"/>
+          </a:xfrm>
+          <a:prstGeom prst="line">
+            <a:avLst/>
+          </a:prstGeom>
+        </p:spPr>
+        <p:style>
+          <a:lnRef idx="1">
+            <a:schemeClr val="accent1"/>
+          </a:lnRef>
+          <a:fillRef idx="0">
+            <a:schemeClr val="accent1"/>
+          </a:fillRef>
+          <a:effectRef idx="0">
+            <a:schemeClr val="accent1"/>
+          </a:effectRef>
+          <a:fontRef idx="minor">
+            <a:schemeClr val="tx1"/>
+          </a:fontRef>
+        </p:style>
+      </p:cxnSp>
+      <p:cxnSp>
+        <p:nvCxnSpPr>
+          <p:cNvPr id="51" name="Gerader Verbinder 50">
+            <a:extLst>
+              <a:ext uri="{FF2B5EF4-FFF2-40B4-BE49-F238E27FC236}">
+                <a16:creationId xmlns:a16="http://schemas.microsoft.com/office/drawing/2014/main" id="{459180C8-B7E1-527B-DEC9-69490481F1EF}"/>
+              </a:ext>
+            </a:extLst>
+          </p:cNvPr>
+          <p:cNvCxnSpPr>
+            <a:cxnSpLocks/>
+          </p:cNvCxnSpPr>
+          <p:nvPr/>
+        </p:nvCxnSpPr>
+        <p:spPr>
+          <a:xfrm flipV="1">
+            <a:off x="3864375" y="783024"/>
+            <a:ext cx="0" cy="166815"/>
+          </a:xfrm>
+          <a:prstGeom prst="line">
+            <a:avLst/>
+          </a:prstGeom>
+        </p:spPr>
+        <p:style>
+          <a:lnRef idx="1">
+            <a:schemeClr val="accent1"/>
+          </a:lnRef>
+          <a:fillRef idx="0">
+            <a:schemeClr val="accent1"/>
+          </a:fillRef>
+          <a:effectRef idx="0">
+            <a:schemeClr val="accent1"/>
+          </a:effectRef>
+          <a:fontRef idx="minor">
+            <a:schemeClr val="tx1"/>
+          </a:fontRef>
+        </p:style>
+      </p:cxnSp>
+      <p:cxnSp>
+        <p:nvCxnSpPr>
+          <p:cNvPr id="52" name="Gerader Verbinder 51">
+            <a:extLst>
+              <a:ext uri="{FF2B5EF4-FFF2-40B4-BE49-F238E27FC236}">
+                <a16:creationId xmlns:a16="http://schemas.microsoft.com/office/drawing/2014/main" id="{06145A17-4E68-6CBD-7262-D06EDB109817}"/>
+              </a:ext>
+            </a:extLst>
+          </p:cNvPr>
+          <p:cNvCxnSpPr>
+            <a:cxnSpLocks/>
+          </p:cNvCxnSpPr>
+          <p:nvPr/>
+        </p:nvCxnSpPr>
+        <p:spPr>
+          <a:xfrm flipV="1">
+            <a:off x="3141774" y="769884"/>
+            <a:ext cx="0" cy="166815"/>
+          </a:xfrm>
+          <a:prstGeom prst="line">
+            <a:avLst/>
+          </a:prstGeom>
+        </p:spPr>
+        <p:style>
+          <a:lnRef idx="1">
+            <a:schemeClr val="accent1"/>
+          </a:lnRef>
+          <a:fillRef idx="0">
+            <a:schemeClr val="accent1"/>
+          </a:fillRef>
+          <a:effectRef idx="0">
+            <a:schemeClr val="accent1"/>
+          </a:effectRef>
+          <a:fontRef idx="minor">
+            <a:schemeClr val="tx1"/>
+          </a:fontRef>
+        </p:style>
+      </p:cxnSp>
+      <p:cxnSp>
+        <p:nvCxnSpPr>
+          <p:cNvPr id="53" name="Gerader Verbinder 52">
+            <a:extLst>
+              <a:ext uri="{FF2B5EF4-FFF2-40B4-BE49-F238E27FC236}">
+                <a16:creationId xmlns:a16="http://schemas.microsoft.com/office/drawing/2014/main" id="{644A4AD6-E92C-C9A4-8F8C-C8F65F23A6B2}"/>
+              </a:ext>
+            </a:extLst>
+          </p:cNvPr>
+          <p:cNvCxnSpPr>
+            <a:cxnSpLocks/>
+            <a:stCxn id="77" idx="0"/>
+          </p:cNvCxnSpPr>
+          <p:nvPr/>
+        </p:nvCxnSpPr>
+        <p:spPr>
+          <a:xfrm flipH="1" flipV="1">
+            <a:off x="3869622" y="1219207"/>
+            <a:ext cx="447" cy="1171168"/>
+          </a:xfrm>
+          <a:prstGeom prst="line">
+            <a:avLst/>
+          </a:prstGeom>
+        </p:spPr>
+        <p:style>
+          <a:lnRef idx="1">
+            <a:schemeClr val="accent1"/>
+          </a:lnRef>
+          <a:fillRef idx="0">
+            <a:schemeClr val="accent1"/>
+          </a:fillRef>
+          <a:effectRef idx="0">
+            <a:schemeClr val="accent1"/>
+          </a:effectRef>
+          <a:fontRef idx="minor">
+            <a:schemeClr val="tx1"/>
+          </a:fontRef>
+        </p:style>
+      </p:cxnSp>
+      <p:cxnSp>
+        <p:nvCxnSpPr>
+          <p:cNvPr id="54" name="Gerader Verbinder 53">
+            <a:extLst>
+              <a:ext uri="{FF2B5EF4-FFF2-40B4-BE49-F238E27FC236}">
+                <a16:creationId xmlns:a16="http://schemas.microsoft.com/office/drawing/2014/main" id="{2B7D40E7-AA9C-659B-4240-E4D700357E8C}"/>
+              </a:ext>
+            </a:extLst>
+          </p:cNvPr>
+          <p:cNvCxnSpPr>
+            <a:cxnSpLocks/>
+          </p:cNvCxnSpPr>
+          <p:nvPr/>
+        </p:nvCxnSpPr>
+        <p:spPr>
+          <a:xfrm flipV="1">
+            <a:off x="6336922" y="1414093"/>
+            <a:ext cx="0" cy="166815"/>
+          </a:xfrm>
+          <a:prstGeom prst="line">
+            <a:avLst/>
+          </a:prstGeom>
+        </p:spPr>
+        <p:style>
+          <a:lnRef idx="1">
+            <a:schemeClr val="accent1"/>
+          </a:lnRef>
+          <a:fillRef idx="0">
+            <a:schemeClr val="accent1"/>
+          </a:fillRef>
+          <a:effectRef idx="0">
+            <a:schemeClr val="accent1"/>
+          </a:effectRef>
+          <a:fontRef idx="minor">
+            <a:schemeClr val="tx1"/>
+          </a:fontRef>
+        </p:style>
+      </p:cxnSp>
+      <p:cxnSp>
+        <p:nvCxnSpPr>
+          <p:cNvPr id="4" name="Gerader Verbinder 3">
+            <a:extLst>
+              <a:ext uri="{FF2B5EF4-FFF2-40B4-BE49-F238E27FC236}">
+                <a16:creationId xmlns:a16="http://schemas.microsoft.com/office/drawing/2014/main" id="{D85034F0-8713-3BC6-9DC7-59374CA095F1}"/>
+              </a:ext>
+            </a:extLst>
+          </p:cNvPr>
+          <p:cNvCxnSpPr>
+            <a:cxnSpLocks/>
+          </p:cNvCxnSpPr>
+          <p:nvPr/>
+        </p:nvCxnSpPr>
+        <p:spPr>
+          <a:xfrm flipV="1">
+            <a:off x="2455026" y="783024"/>
+            <a:ext cx="0" cy="166815"/>
+          </a:xfrm>
+          <a:prstGeom prst="line">
+            <a:avLst/>
+          </a:prstGeom>
+        </p:spPr>
+        <p:style>
+          <a:lnRef idx="1">
+            <a:schemeClr val="accent1"/>
+          </a:lnRef>
+          <a:fillRef idx="0">
+            <a:schemeClr val="accent1"/>
+          </a:fillRef>
+          <a:effectRef idx="0">
+            <a:schemeClr val="accent1"/>
+          </a:effectRef>
+          <a:fontRef idx="minor">
+            <a:schemeClr val="tx1"/>
+          </a:fontRef>
+        </p:style>
+      </p:cxnSp>
+      <p:cxnSp>
+        <p:nvCxnSpPr>
+          <p:cNvPr id="5" name="Gerader Verbinder 4">
+            <a:extLst>
+              <a:ext uri="{FF2B5EF4-FFF2-40B4-BE49-F238E27FC236}">
+                <a16:creationId xmlns:a16="http://schemas.microsoft.com/office/drawing/2014/main" id="{98347B01-3320-57A8-E4FA-8140580FABD7}"/>
+              </a:ext>
+            </a:extLst>
+          </p:cNvPr>
+          <p:cNvCxnSpPr>
+            <a:cxnSpLocks/>
+          </p:cNvCxnSpPr>
+          <p:nvPr/>
+        </p:nvCxnSpPr>
+        <p:spPr>
+          <a:xfrm flipV="1">
+            <a:off x="5802563" y="809302"/>
+            <a:ext cx="0" cy="166815"/>
+          </a:xfrm>
+          <a:prstGeom prst="line">
+            <a:avLst/>
+          </a:prstGeom>
+        </p:spPr>
+        <p:style>
+          <a:lnRef idx="1">
+            <a:schemeClr val="accent1"/>
+          </a:lnRef>
+          <a:fillRef idx="0">
+            <a:schemeClr val="accent1"/>
+          </a:fillRef>
+          <a:effectRef idx="0">
+            <a:schemeClr val="accent1"/>
+          </a:effectRef>
+          <a:fontRef idx="minor">
+            <a:schemeClr val="tx1"/>
+          </a:fontRef>
+        </p:style>
+      </p:cxnSp>
+      <p:cxnSp>
+        <p:nvCxnSpPr>
+          <p:cNvPr id="6" name="Gerader Verbinder 5">
+            <a:extLst>
+              <a:ext uri="{FF2B5EF4-FFF2-40B4-BE49-F238E27FC236}">
+                <a16:creationId xmlns:a16="http://schemas.microsoft.com/office/drawing/2014/main" id="{AA1E785D-F751-DED1-6C89-A478ECD3129D}"/>
+              </a:ext>
+            </a:extLst>
+          </p:cNvPr>
+          <p:cNvCxnSpPr>
+            <a:cxnSpLocks/>
+          </p:cNvCxnSpPr>
+          <p:nvPr/>
+        </p:nvCxnSpPr>
+        <p:spPr>
+          <a:xfrm flipV="1">
+            <a:off x="5298067" y="798791"/>
+            <a:ext cx="0" cy="166815"/>
+          </a:xfrm>
+          <a:prstGeom prst="line">
+            <a:avLst/>
+          </a:prstGeom>
+        </p:spPr>
+        <p:style>
+          <a:lnRef idx="1">
+            <a:schemeClr val="accent1"/>
+          </a:lnRef>
+          <a:fillRef idx="0">
+            <a:schemeClr val="accent1"/>
+          </a:fillRef>
+          <a:effectRef idx="0">
+            <a:schemeClr val="accent1"/>
+          </a:effectRef>
+          <a:fontRef idx="minor">
+            <a:schemeClr val="tx1"/>
+          </a:fontRef>
+        </p:style>
+      </p:cxnSp>
+      <p:sp>
+        <p:nvSpPr>
+          <p:cNvPr id="8" name="Rechteck 7">
+            <a:extLst>
+              <a:ext uri="{FF2B5EF4-FFF2-40B4-BE49-F238E27FC236}">
+                <a16:creationId xmlns:a16="http://schemas.microsoft.com/office/drawing/2014/main" id="{AC982C37-0F8D-B89F-AEE9-261D517CCF1D}"/>
+              </a:ext>
+            </a:extLst>
+          </p:cNvPr>
+          <p:cNvSpPr/>
+          <p:nvPr/>
+        </p:nvSpPr>
+        <p:spPr>
+          <a:xfrm>
+            <a:off x="5990082" y="1589505"/>
+            <a:ext cx="943302" cy="273141"/>
+          </a:xfrm>
+          <a:prstGeom prst="rect">
+            <a:avLst/>
+          </a:prstGeom>
+          <a:solidFill>
+            <a:srgbClr val="FFFF00"/>
+          </a:solidFill>
+          <a:ln>
+            <a:solidFill>
+              <a:schemeClr val="tx1"/>
+            </a:solidFill>
+          </a:ln>
+        </p:spPr>
+        <p:style>
+          <a:lnRef idx="2">
+            <a:schemeClr val="accent1">
+              <a:shade val="50000"/>
+            </a:schemeClr>
+          </a:lnRef>
+          <a:fillRef idx="1">
+            <a:schemeClr val="accent1"/>
+          </a:fillRef>
+          <a:effectRef idx="0">
+            <a:schemeClr val="accent1"/>
+          </a:effectRef>
+          <a:fontRef idx="minor">
+            <a:schemeClr val="lt1"/>
+          </a:fontRef>
+        </p:style>
+        <p:txBody>
+          <a:bodyPr rtlCol="0" anchor="ctr"/>
+          <a:lstStyle/>
+          <a:p>
+            <a:pPr algn="ctr"/>
+            <a:r>
+              <a:rPr lang="de-CH" sz="1000" b="1" dirty="0">
+                <a:solidFill>
+                  <a:schemeClr val="tx1"/>
+                </a:solidFill>
+                <a:latin typeface="Arial" panose="020B0604020202020204" pitchFamily="34" charset="0"/>
+                <a:cs typeface="Arial" panose="020B0604020202020204" pitchFamily="34" charset="0"/>
+              </a:rPr>
+              <a:t>Description</a:t>
+            </a:r>
+          </a:p>
+        </p:txBody>
+      </p:sp>
+      <p:cxnSp>
+        <p:nvCxnSpPr>
+          <p:cNvPr id="72" name="Gerader Verbinder 71">
+            <a:extLst>
+              <a:ext uri="{FF2B5EF4-FFF2-40B4-BE49-F238E27FC236}">
+                <a16:creationId xmlns:a16="http://schemas.microsoft.com/office/drawing/2014/main" id="{5F402B03-C367-B451-968B-9503C5A2CB0E}"/>
+              </a:ext>
+            </a:extLst>
+          </p:cNvPr>
+          <p:cNvCxnSpPr>
+            <a:cxnSpLocks/>
+          </p:cNvCxnSpPr>
+          <p:nvPr/>
+        </p:nvCxnSpPr>
+        <p:spPr>
+          <a:xfrm flipV="1">
+            <a:off x="1643144" y="2856017"/>
+            <a:ext cx="0" cy="166815"/>
+          </a:xfrm>
+          <a:prstGeom prst="line">
+            <a:avLst/>
+          </a:prstGeom>
+        </p:spPr>
+        <p:style>
+          <a:lnRef idx="1">
+            <a:schemeClr val="accent1"/>
+          </a:lnRef>
+          <a:fillRef idx="0">
+            <a:schemeClr val="accent1"/>
+          </a:fillRef>
+          <a:effectRef idx="0">
+            <a:schemeClr val="accent1"/>
+          </a:effectRef>
+          <a:fontRef idx="minor">
+            <a:schemeClr val="tx1"/>
+          </a:fontRef>
+        </p:style>
+      </p:cxnSp>
+      <p:cxnSp>
+        <p:nvCxnSpPr>
+          <p:cNvPr id="73" name="Gerader Verbinder 72">
+            <a:extLst>
+              <a:ext uri="{FF2B5EF4-FFF2-40B4-BE49-F238E27FC236}">
+                <a16:creationId xmlns:a16="http://schemas.microsoft.com/office/drawing/2014/main" id="{52D8C51E-F28D-9D20-4761-1C43F7C857D2}"/>
+              </a:ext>
+            </a:extLst>
+          </p:cNvPr>
+          <p:cNvCxnSpPr>
+            <a:cxnSpLocks/>
+          </p:cNvCxnSpPr>
+          <p:nvPr/>
+        </p:nvCxnSpPr>
+        <p:spPr>
+          <a:xfrm flipV="1">
+            <a:off x="1638160" y="2846003"/>
+            <a:ext cx="5324970" cy="9708"/>
+          </a:xfrm>
+          <a:prstGeom prst="line">
+            <a:avLst/>
+          </a:prstGeom>
+        </p:spPr>
+        <p:style>
+          <a:lnRef idx="1">
+            <a:schemeClr val="accent1"/>
+          </a:lnRef>
+          <a:fillRef idx="0">
+            <a:schemeClr val="accent1"/>
+          </a:fillRef>
+          <a:effectRef idx="0">
+            <a:schemeClr val="accent1"/>
+          </a:effectRef>
+          <a:fontRef idx="minor">
+            <a:schemeClr val="tx1"/>
+          </a:fontRef>
+        </p:style>
+      </p:cxnSp>
+      <p:cxnSp>
+        <p:nvCxnSpPr>
+          <p:cNvPr id="74" name="Gerader Verbinder 73">
+            <a:extLst>
+              <a:ext uri="{FF2B5EF4-FFF2-40B4-BE49-F238E27FC236}">
+                <a16:creationId xmlns:a16="http://schemas.microsoft.com/office/drawing/2014/main" id="{F4E93F00-6290-310A-AF42-FDE113ECA1B2}"/>
+              </a:ext>
+            </a:extLst>
+          </p:cNvPr>
+          <p:cNvCxnSpPr>
+            <a:cxnSpLocks/>
+          </p:cNvCxnSpPr>
+          <p:nvPr/>
+        </p:nvCxnSpPr>
+        <p:spPr>
+          <a:xfrm flipV="1">
+            <a:off x="4526817" y="2848894"/>
+            <a:ext cx="0" cy="166815"/>
+          </a:xfrm>
+          <a:prstGeom prst="line">
+            <a:avLst/>
+          </a:prstGeom>
+        </p:spPr>
+        <p:style>
+          <a:lnRef idx="1">
+            <a:schemeClr val="accent1"/>
+          </a:lnRef>
+          <a:fillRef idx="0">
+            <a:schemeClr val="accent1"/>
+          </a:fillRef>
+          <a:effectRef idx="0">
+            <a:schemeClr val="accent1"/>
+          </a:effectRef>
+          <a:fontRef idx="minor">
+            <a:schemeClr val="tx1"/>
+          </a:fontRef>
+        </p:style>
+      </p:cxnSp>
+      <p:cxnSp>
+        <p:nvCxnSpPr>
+          <p:cNvPr id="75" name="Gerader Verbinder 74">
+            <a:extLst>
+              <a:ext uri="{FF2B5EF4-FFF2-40B4-BE49-F238E27FC236}">
+                <a16:creationId xmlns:a16="http://schemas.microsoft.com/office/drawing/2014/main" id="{2518A1A3-8F3E-8B03-17C5-9CC8AA72E97D}"/>
+              </a:ext>
+            </a:extLst>
+          </p:cNvPr>
+          <p:cNvCxnSpPr>
+            <a:cxnSpLocks/>
+          </p:cNvCxnSpPr>
+          <p:nvPr/>
+        </p:nvCxnSpPr>
+        <p:spPr>
+          <a:xfrm flipV="1">
+            <a:off x="5363945" y="2856032"/>
+            <a:ext cx="0" cy="166815"/>
+          </a:xfrm>
+          <a:prstGeom prst="line">
+            <a:avLst/>
+          </a:prstGeom>
+        </p:spPr>
+        <p:style>
+          <a:lnRef idx="1">
+            <a:schemeClr val="accent1"/>
+          </a:lnRef>
+          <a:fillRef idx="0">
+            <a:schemeClr val="accent1"/>
+          </a:fillRef>
+          <a:effectRef idx="0">
+            <a:schemeClr val="accent1"/>
+          </a:effectRef>
+          <a:fontRef idx="minor">
+            <a:schemeClr val="tx1"/>
+          </a:fontRef>
+        </p:style>
+      </p:cxnSp>
+      <p:sp>
+        <p:nvSpPr>
+          <p:cNvPr id="77" name="Rechteck 76">
+            <a:extLst>
+              <a:ext uri="{FF2B5EF4-FFF2-40B4-BE49-F238E27FC236}">
+                <a16:creationId xmlns:a16="http://schemas.microsoft.com/office/drawing/2014/main" id="{181A53F9-54C9-D1FC-FB94-CC675DF705F2}"/>
+              </a:ext>
+            </a:extLst>
+          </p:cNvPr>
+          <p:cNvSpPr/>
+          <p:nvPr/>
+        </p:nvSpPr>
+        <p:spPr>
+          <a:xfrm>
+            <a:off x="3117528" y="2390375"/>
+            <a:ext cx="1505081" cy="273141"/>
+          </a:xfrm>
+          <a:prstGeom prst="rect">
+            <a:avLst/>
+          </a:prstGeom>
+          <a:solidFill>
+            <a:srgbClr val="FFFF00"/>
+          </a:solidFill>
+          <a:ln>
+            <a:solidFill>
+              <a:schemeClr val="tx1"/>
+            </a:solidFill>
+          </a:ln>
+        </p:spPr>
+        <p:style>
+          <a:lnRef idx="2">
+            <a:schemeClr val="accent1">
+              <a:shade val="50000"/>
+            </a:schemeClr>
+          </a:lnRef>
+          <a:fillRef idx="1">
+            <a:schemeClr val="accent1"/>
+          </a:fillRef>
+          <a:effectRef idx="0">
+            <a:schemeClr val="accent1"/>
+          </a:effectRef>
+          <a:fontRef idx="minor">
+            <a:schemeClr val="lt1"/>
+          </a:fontRef>
+        </p:style>
+        <p:txBody>
+          <a:bodyPr rtlCol="0" anchor="ctr"/>
+          <a:lstStyle/>
+          <a:p>
+            <a:pPr algn="ctr"/>
+            <a:r>
+              <a:rPr lang="de-CH" sz="1000" b="1" dirty="0">
+                <a:solidFill>
+                  <a:schemeClr val="tx1"/>
+                </a:solidFill>
+                <a:latin typeface="Arial" panose="020B0604020202020204" pitchFamily="34" charset="0"/>
+                <a:cs typeface="Arial" panose="020B0604020202020204" pitchFamily="34" charset="0"/>
+              </a:rPr>
+              <a:t>Spagi_89_Chairs_v_1</a:t>
+            </a:r>
+          </a:p>
+        </p:txBody>
+      </p:sp>
+      <p:cxnSp>
+        <p:nvCxnSpPr>
+          <p:cNvPr id="78" name="Gerader Verbinder 77">
+            <a:extLst>
+              <a:ext uri="{FF2B5EF4-FFF2-40B4-BE49-F238E27FC236}">
+                <a16:creationId xmlns:a16="http://schemas.microsoft.com/office/drawing/2014/main" id="{6CBE693C-5832-3057-7981-0BCA24D1E6C3}"/>
+              </a:ext>
+            </a:extLst>
+          </p:cNvPr>
+          <p:cNvCxnSpPr>
+            <a:cxnSpLocks/>
+          </p:cNvCxnSpPr>
+          <p:nvPr/>
+        </p:nvCxnSpPr>
+        <p:spPr>
+          <a:xfrm flipV="1">
+            <a:off x="2973938" y="2234707"/>
+            <a:ext cx="2390007" cy="9874"/>
+          </a:xfrm>
+          <a:prstGeom prst="line">
+            <a:avLst/>
+          </a:prstGeom>
+        </p:spPr>
+        <p:style>
+          <a:lnRef idx="1">
+            <a:schemeClr val="accent1"/>
+          </a:lnRef>
+          <a:fillRef idx="0">
+            <a:schemeClr val="accent1"/>
+          </a:fillRef>
+          <a:effectRef idx="0">
+            <a:schemeClr val="accent1"/>
+          </a:effectRef>
+          <a:fontRef idx="minor">
+            <a:schemeClr val="tx1"/>
+          </a:fontRef>
+        </p:style>
+      </p:cxnSp>
+      <p:cxnSp>
+        <p:nvCxnSpPr>
+          <p:cNvPr id="79" name="Gerader Verbinder 78">
+            <a:extLst>
+              <a:ext uri="{FF2B5EF4-FFF2-40B4-BE49-F238E27FC236}">
+                <a16:creationId xmlns:a16="http://schemas.microsoft.com/office/drawing/2014/main" id="{5049C97D-30EC-AF4C-D193-779F2B613900}"/>
+              </a:ext>
+            </a:extLst>
+          </p:cNvPr>
+          <p:cNvCxnSpPr>
+            <a:cxnSpLocks/>
+          </p:cNvCxnSpPr>
+          <p:nvPr/>
+        </p:nvCxnSpPr>
+        <p:spPr>
+          <a:xfrm flipV="1">
+            <a:off x="5196545" y="2234707"/>
+            <a:ext cx="0" cy="166815"/>
+          </a:xfrm>
+          <a:prstGeom prst="line">
+            <a:avLst/>
+          </a:prstGeom>
+        </p:spPr>
+        <p:style>
+          <a:lnRef idx="1">
+            <a:schemeClr val="accent1"/>
+          </a:lnRef>
+          <a:fillRef idx="0">
+            <a:schemeClr val="accent1"/>
+          </a:fillRef>
+          <a:effectRef idx="0">
+            <a:schemeClr val="accent1"/>
+          </a:effectRef>
+          <a:fontRef idx="minor">
+            <a:schemeClr val="tx1"/>
+          </a:fontRef>
+        </p:style>
+      </p:cxnSp>
+      <p:cxnSp>
+        <p:nvCxnSpPr>
+          <p:cNvPr id="80" name="Gerader Verbinder 79">
+            <a:extLst>
+              <a:ext uri="{FF2B5EF4-FFF2-40B4-BE49-F238E27FC236}">
+                <a16:creationId xmlns:a16="http://schemas.microsoft.com/office/drawing/2014/main" id="{F767B0E5-7020-075A-D65D-ED01F0A46FD3}"/>
+              </a:ext>
+            </a:extLst>
+          </p:cNvPr>
+          <p:cNvCxnSpPr>
+            <a:cxnSpLocks/>
+          </p:cNvCxnSpPr>
+          <p:nvPr/>
+        </p:nvCxnSpPr>
+        <p:spPr>
+          <a:xfrm flipV="1">
+            <a:off x="2999885" y="2222129"/>
+            <a:ext cx="0" cy="166815"/>
+          </a:xfrm>
+          <a:prstGeom prst="line">
+            <a:avLst/>
+          </a:prstGeom>
+        </p:spPr>
+        <p:style>
+          <a:lnRef idx="1">
+            <a:schemeClr val="accent1"/>
+          </a:lnRef>
+          <a:fillRef idx="0">
+            <a:schemeClr val="accent1"/>
+          </a:fillRef>
+          <a:effectRef idx="0">
+            <a:schemeClr val="accent1"/>
+          </a:effectRef>
+          <a:fontRef idx="minor">
+            <a:schemeClr val="tx1"/>
+          </a:fontRef>
+        </p:style>
+      </p:cxnSp>
+      <p:cxnSp>
+        <p:nvCxnSpPr>
+          <p:cNvPr id="81" name="Gerader Verbinder 80">
+            <a:extLst>
+              <a:ext uri="{FF2B5EF4-FFF2-40B4-BE49-F238E27FC236}">
+                <a16:creationId xmlns:a16="http://schemas.microsoft.com/office/drawing/2014/main" id="{72442400-1054-3FEC-FF99-73B6DA001AD4}"/>
+              </a:ext>
+            </a:extLst>
+          </p:cNvPr>
+          <p:cNvCxnSpPr>
+            <a:cxnSpLocks/>
+          </p:cNvCxnSpPr>
+          <p:nvPr/>
+        </p:nvCxnSpPr>
+        <p:spPr>
+          <a:xfrm flipV="1">
+            <a:off x="3864375" y="2663516"/>
+            <a:ext cx="0" cy="166815"/>
+          </a:xfrm>
+          <a:prstGeom prst="line">
+            <a:avLst/>
+          </a:prstGeom>
+        </p:spPr>
+        <p:style>
+          <a:lnRef idx="1">
+            <a:schemeClr val="accent1"/>
+          </a:lnRef>
+          <a:fillRef idx="0">
+            <a:schemeClr val="accent1"/>
+          </a:fillRef>
+          <a:effectRef idx="0">
+            <a:schemeClr val="accent1"/>
+          </a:effectRef>
+          <a:fontRef idx="minor">
+            <a:schemeClr val="tx1"/>
+          </a:fontRef>
+        </p:style>
+      </p:cxnSp>
+      <p:cxnSp>
+        <p:nvCxnSpPr>
+          <p:cNvPr id="82" name="Gerader Verbinder 81">
+            <a:extLst>
+              <a:ext uri="{FF2B5EF4-FFF2-40B4-BE49-F238E27FC236}">
+                <a16:creationId xmlns:a16="http://schemas.microsoft.com/office/drawing/2014/main" id="{3BEB3EDA-DBC7-BE20-99B7-75441317D074}"/>
+              </a:ext>
+            </a:extLst>
+          </p:cNvPr>
+          <p:cNvCxnSpPr>
+            <a:cxnSpLocks/>
+          </p:cNvCxnSpPr>
+          <p:nvPr/>
+        </p:nvCxnSpPr>
+        <p:spPr>
+          <a:xfrm flipV="1">
+            <a:off x="3502800" y="2856273"/>
+            <a:ext cx="0" cy="166815"/>
+          </a:xfrm>
+          <a:prstGeom prst="line">
+            <a:avLst/>
+          </a:prstGeom>
+        </p:spPr>
+        <p:style>
+          <a:lnRef idx="1">
+            <a:schemeClr val="accent1"/>
+          </a:lnRef>
+          <a:fillRef idx="0">
+            <a:schemeClr val="accent1"/>
+          </a:fillRef>
+          <a:effectRef idx="0">
+            <a:schemeClr val="accent1"/>
+          </a:effectRef>
+          <a:fontRef idx="minor">
+            <a:schemeClr val="tx1"/>
+          </a:fontRef>
+        </p:style>
+      </p:cxnSp>
+      <p:cxnSp>
+        <p:nvCxnSpPr>
+          <p:cNvPr id="83" name="Gerader Verbinder 82">
+            <a:extLst>
+              <a:ext uri="{FF2B5EF4-FFF2-40B4-BE49-F238E27FC236}">
+                <a16:creationId xmlns:a16="http://schemas.microsoft.com/office/drawing/2014/main" id="{33E2AE81-BF7E-C9E6-86A8-561DEFF3921B}"/>
+              </a:ext>
+            </a:extLst>
+          </p:cNvPr>
+          <p:cNvCxnSpPr>
+            <a:cxnSpLocks/>
+          </p:cNvCxnSpPr>
+          <p:nvPr/>
+        </p:nvCxnSpPr>
+        <p:spPr>
+          <a:xfrm flipV="1">
+            <a:off x="6952356" y="2855891"/>
+            <a:ext cx="0" cy="166815"/>
+          </a:xfrm>
+          <a:prstGeom prst="line">
+            <a:avLst/>
+          </a:prstGeom>
+        </p:spPr>
+        <p:style>
+          <a:lnRef idx="1">
+            <a:schemeClr val="accent1"/>
+          </a:lnRef>
+          <a:fillRef idx="0">
+            <a:schemeClr val="accent1"/>
+          </a:fillRef>
+          <a:effectRef idx="0">
+            <a:schemeClr val="accent1"/>
+          </a:effectRef>
+          <a:fontRef idx="minor">
+            <a:schemeClr val="tx1"/>
+          </a:fontRef>
+        </p:style>
+      </p:cxnSp>
+      <p:cxnSp>
+        <p:nvCxnSpPr>
+          <p:cNvPr id="84" name="Gerader Verbinder 83">
+            <a:extLst>
+              <a:ext uri="{FF2B5EF4-FFF2-40B4-BE49-F238E27FC236}">
+                <a16:creationId xmlns:a16="http://schemas.microsoft.com/office/drawing/2014/main" id="{9BDDA067-DC1C-FDA2-1297-D3E79B2B8ED8}"/>
+              </a:ext>
+            </a:extLst>
+          </p:cNvPr>
+          <p:cNvCxnSpPr>
+            <a:cxnSpLocks/>
+          </p:cNvCxnSpPr>
+          <p:nvPr/>
+        </p:nvCxnSpPr>
+        <p:spPr>
+          <a:xfrm flipV="1">
+            <a:off x="6062837" y="2846003"/>
+            <a:ext cx="0" cy="166815"/>
+          </a:xfrm>
+          <a:prstGeom prst="line">
+            <a:avLst/>
+          </a:prstGeom>
+        </p:spPr>
+        <p:style>
+          <a:lnRef idx="1">
+            <a:schemeClr val="accent1"/>
+          </a:lnRef>
+          <a:fillRef idx="0">
+            <a:schemeClr val="accent1"/>
+          </a:fillRef>
+          <a:effectRef idx="0">
+            <a:schemeClr val="accent1"/>
+          </a:effectRef>
+          <a:fontRef idx="minor">
+            <a:schemeClr val="tx1"/>
+          </a:fontRef>
+        </p:style>
+      </p:cxnSp>
+    </p:spTree>
+    <p:extLst>
+      <p:ext uri="{BB962C8B-B14F-4D97-AF65-F5344CB8AC3E}">
+        <p14:creationId xmlns:p14="http://schemas.microsoft.com/office/powerpoint/2010/main" val="2729260431"/>
+      </p:ext>
+    </p:extLst>
+  </p:cSld>
+  <p:clrMapOvr>
+    <a:masterClrMapping/>
+  </p:clrMapOvr>
+</p:sld>
+</file>
+
+<file path=ppt/slides/slide4.xml><?xml version="1.0" encoding="utf-8"?>
+<p:sld xmlns:a="http://schemas.openxmlformats.org/drawingml/2006/main" xmlns:r="http://schemas.openxmlformats.org/officeDocument/2006/relationships" xmlns:p="http://schemas.openxmlformats.org/presentationml/2006/main">
+  <p:cSld>
+    <p:spTree>
+      <p:nvGrpSpPr>
+        <p:cNvPr id="1" name=""/>
+        <p:cNvGrpSpPr/>
+        <p:nvPr/>
+      </p:nvGrpSpPr>
+      <p:grpSpPr>
+        <a:xfrm>
+          <a:off x="0" y="0"/>
+          <a:ext cx="0" cy="0"/>
+          <a:chOff x="0" y="0"/>
+          <a:chExt cx="0" cy="0"/>
+        </a:xfrm>
+      </p:grpSpPr>
       <p:sp>
         <p:nvSpPr>
           <p:cNvPr id="2" name="Rechteck 1">
@@ -6145,6 +7887,36 @@
           </a:p>
         </p:txBody>
       </p:sp>
+      <p:pic>
+        <p:nvPicPr>
+          <p:cNvPr id="57" name="Grafik 56">
+            <a:extLst>
+              <a:ext uri="{FF2B5EF4-FFF2-40B4-BE49-F238E27FC236}">
+                <a16:creationId xmlns:a16="http://schemas.microsoft.com/office/drawing/2014/main" id="{DD4C6D50-48D3-1ABC-0597-4B799DEFC3DA}"/>
+              </a:ext>
+            </a:extLst>
+          </p:cNvPr>
+          <p:cNvPicPr>
+            <a:picLocks noChangeAspect="1"/>
+          </p:cNvPicPr>
+          <p:nvPr/>
+        </p:nvPicPr>
+        <p:blipFill>
+          <a:blip r:embed="rId2"/>
+          <a:stretch>
+            <a:fillRect/>
+          </a:stretch>
+        </p:blipFill>
+        <p:spPr>
+          <a:xfrm>
+            <a:off x="2242388" y="713056"/>
+            <a:ext cx="4733333" cy="247619"/>
+          </a:xfrm>
+          <a:prstGeom prst="rect">
+            <a:avLst/>
+          </a:prstGeom>
+        </p:spPr>
+      </p:pic>
     </p:spTree>
     <p:extLst>
       <p:ext uri="{BB962C8B-B14F-4D97-AF65-F5344CB8AC3E}">
@@ -6158,7 +7930,7 @@
 </p:sld>
 </file>
 
-<file path=ppt/slides/slide4.xml><?xml version="1.0" encoding="utf-8"?>
+<file path=ppt/slides/slide5.xml><?xml version="1.0" encoding="utf-8"?>
 <p:sld xmlns:a="http://schemas.openxmlformats.org/drawingml/2006/main" xmlns:r="http://schemas.openxmlformats.org/officeDocument/2006/relationships" xmlns:p="http://schemas.openxmlformats.org/presentationml/2006/main">
   <p:cSld>
     <p:spTree>
